--- a/Presentacion.pptx
+++ b/Presentacion.pptx
@@ -19,6 +19,9 @@
     <p:sldId id="264" r:id="rId14"/>
     <p:sldId id="265" r:id="rId15"/>
     <p:sldId id="266" r:id="rId16"/>
+    <p:sldId id="267" r:id="rId17"/>
+    <p:sldId id="268" r:id="rId18"/>
+    <p:sldId id="269" r:id="rId19"/>
   </p:sldIdLst>
   <p:sldSz cy="5143500" cx="9144000"/>
   <p:notesSz cx="6858000" cy="9144000"/>
@@ -800,7 +803,7 @@
   <p:cSld>
     <p:spTree>
       <p:nvGrpSpPr>
-        <p:cNvPr id="113" name="Shape 113"/>
+        <p:cNvPr id="120" name="Shape 120"/>
         <p:cNvGrpSpPr/>
         <p:nvPr/>
       </p:nvGrpSpPr>
@@ -814,7 +817,7 @@
       </p:grpSpPr>
       <p:sp>
         <p:nvSpPr>
-          <p:cNvPr id="114" name="Google Shape;114;gf0db759779_0_53:notes"/>
+          <p:cNvPr id="121" name="Google Shape;121;gf0db759779_0_48:notes"/>
           <p:cNvSpPr/>
           <p:nvPr>
             <p:ph idx="2" type="sldImg"/>
@@ -849,7 +852,7 @@
       </p:sp>
       <p:sp>
         <p:nvSpPr>
-          <p:cNvPr id="115" name="Google Shape;115;gf0db759779_0_53:notes"/>
+          <p:cNvPr id="122" name="Google Shape;122;gf0db759779_0_48:notes"/>
           <p:cNvSpPr txBox="1"/>
           <p:nvPr>
             <p:ph idx="1" type="body"/>
@@ -899,7 +902,7 @@
   <p:cSld>
     <p:spTree>
       <p:nvGrpSpPr>
-        <p:cNvPr id="121" name="Shape 121"/>
+        <p:cNvPr id="128" name="Shape 128"/>
         <p:cNvGrpSpPr/>
         <p:nvPr/>
       </p:nvGrpSpPr>
@@ -913,7 +916,7 @@
       </p:grpSpPr>
       <p:sp>
         <p:nvSpPr>
-          <p:cNvPr id="122" name="Google Shape;122;gf0db759779_0_58:notes"/>
+          <p:cNvPr id="129" name="Google Shape;129;gf0db759779_0_53:notes"/>
           <p:cNvSpPr/>
           <p:nvPr>
             <p:ph idx="2" type="sldImg"/>
@@ -948,7 +951,304 @@
       </p:sp>
       <p:sp>
         <p:nvSpPr>
-          <p:cNvPr id="123" name="Google Shape;123;gf0db759779_0_58:notes"/>
+          <p:cNvPr id="130" name="Google Shape;130;gf0db759779_0_53:notes"/>
+          <p:cNvSpPr txBox="1"/>
+          <p:nvPr>
+            <p:ph idx="1" type="body"/>
+          </p:nvPr>
+        </p:nvSpPr>
+        <p:spPr>
+          <a:xfrm>
+            <a:off x="685800" y="4343400"/>
+            <a:ext cx="5486400" cy="4114800"/>
+          </a:xfrm>
+          <a:prstGeom prst="rect">
+            <a:avLst/>
+          </a:prstGeom>
+        </p:spPr>
+        <p:txBody>
+          <a:bodyPr anchorCtr="0" anchor="t" bIns="91425" lIns="91425" spcFirstLastPara="1" rIns="91425" wrap="square" tIns="91425">
+            <a:noAutofit/>
+          </a:bodyPr>
+          <a:lstStyle/>
+          <a:p>
+            <a:pPr indent="0" lvl="0" marL="0" rtl="0" algn="l">
+              <a:spcBef>
+                <a:spcPts val="0"/>
+              </a:spcBef>
+              <a:spcAft>
+                <a:spcPts val="0"/>
+              </a:spcAft>
+              <a:buNone/>
+            </a:pPr>
+            <a:r>
+              <a:t/>
+            </a:r>
+            <a:endParaRPr/>
+          </a:p>
+        </p:txBody>
+      </p:sp>
+    </p:spTree>
+  </p:cSld>
+  <p:clrMapOvr>
+    <a:masterClrMapping/>
+  </p:clrMapOvr>
+</p:notes>
+</file>
+
+<file path=ppt/notesSlides/notesSlide12.xml><?xml version="1.0" encoding="utf-8"?>
+<p:notes xmlns:a="http://schemas.openxmlformats.org/drawingml/2006/main" xmlns:r="http://schemas.openxmlformats.org/officeDocument/2006/relationships" xmlns:mc="http://schemas.openxmlformats.org/markup-compatibility/2006" xmlns:mv="urn:schemas-microsoft-com:mac:vml" xmlns:p="http://schemas.openxmlformats.org/presentationml/2006/main" xmlns:c="http://schemas.openxmlformats.org/drawingml/2006/chart" xmlns:dgm="http://schemas.openxmlformats.org/drawingml/2006/diagram" xmlns:o="urn:schemas-microsoft-com:office:office" xmlns:v="urn:schemas-microsoft-com:vml" xmlns:pvml="urn:schemas-microsoft-com:office:powerpoint" xmlns:com="http://schemas.openxmlformats.org/drawingml/2006/compatibility" xmlns:p14="http://schemas.microsoft.com/office/powerpoint/2010/main" xmlns:p15="http://schemas.microsoft.com/office/powerpoint/2012/main" xmlns:ahyp="http://schemas.microsoft.com/office/drawing/2018/hyperlinkcolor" showMasterPhAnim="0" showMasterSp="0">
+  <p:cSld>
+    <p:spTree>
+      <p:nvGrpSpPr>
+        <p:cNvPr id="136" name="Shape 136"/>
+        <p:cNvGrpSpPr/>
+        <p:nvPr/>
+      </p:nvGrpSpPr>
+      <p:grpSpPr>
+        <a:xfrm>
+          <a:off x="0" y="0"/>
+          <a:ext cx="0" cy="0"/>
+          <a:chOff x="0" y="0"/>
+          <a:chExt cx="0" cy="0"/>
+        </a:xfrm>
+      </p:grpSpPr>
+      <p:sp>
+        <p:nvSpPr>
+          <p:cNvPr id="137" name="Google Shape;137;gf0db759779_0_58:notes"/>
+          <p:cNvSpPr/>
+          <p:nvPr>
+            <p:ph idx="2" type="sldImg"/>
+          </p:nvPr>
+        </p:nvSpPr>
+        <p:spPr>
+          <a:xfrm>
+            <a:off x="381300" y="685800"/>
+            <a:ext cx="6096000" cy="3429000"/>
+          </a:xfrm>
+          <a:custGeom>
+            <a:rect b="b" l="l" r="r" t="t"/>
+            <a:pathLst>
+              <a:path extrusionOk="0" h="120000" w="120000">
+                <a:moveTo>
+                  <a:pt x="0" y="0"/>
+                </a:moveTo>
+                <a:lnTo>
+                  <a:pt x="120000" y="0"/>
+                </a:lnTo>
+                <a:lnTo>
+                  <a:pt x="120000" y="120000"/>
+                </a:lnTo>
+                <a:lnTo>
+                  <a:pt x="0" y="120000"/>
+                </a:lnTo>
+                <a:close/>
+              </a:path>
+            </a:pathLst>
+          </a:custGeom>
+        </p:spPr>
+      </p:sp>
+      <p:sp>
+        <p:nvSpPr>
+          <p:cNvPr id="138" name="Google Shape;138;gf0db759779_0_58:notes"/>
+          <p:cNvSpPr txBox="1"/>
+          <p:nvPr>
+            <p:ph idx="1" type="body"/>
+          </p:nvPr>
+        </p:nvSpPr>
+        <p:spPr>
+          <a:xfrm>
+            <a:off x="685800" y="4343400"/>
+            <a:ext cx="5486400" cy="4114800"/>
+          </a:xfrm>
+          <a:prstGeom prst="rect">
+            <a:avLst/>
+          </a:prstGeom>
+        </p:spPr>
+        <p:txBody>
+          <a:bodyPr anchorCtr="0" anchor="t" bIns="91425" lIns="91425" spcFirstLastPara="1" rIns="91425" wrap="square" tIns="91425">
+            <a:noAutofit/>
+          </a:bodyPr>
+          <a:lstStyle/>
+          <a:p>
+            <a:pPr indent="0" lvl="0" marL="0" rtl="0" algn="l">
+              <a:spcBef>
+                <a:spcPts val="0"/>
+              </a:spcBef>
+              <a:spcAft>
+                <a:spcPts val="0"/>
+              </a:spcAft>
+              <a:buNone/>
+            </a:pPr>
+            <a:r>
+              <a:t/>
+            </a:r>
+            <a:endParaRPr/>
+          </a:p>
+        </p:txBody>
+      </p:sp>
+    </p:spTree>
+  </p:cSld>
+  <p:clrMapOvr>
+    <a:masterClrMapping/>
+  </p:clrMapOvr>
+</p:notes>
+</file>
+
+<file path=ppt/notesSlides/notesSlide13.xml><?xml version="1.0" encoding="utf-8"?>
+<p:notes xmlns:a="http://schemas.openxmlformats.org/drawingml/2006/main" xmlns:r="http://schemas.openxmlformats.org/officeDocument/2006/relationships" xmlns:mc="http://schemas.openxmlformats.org/markup-compatibility/2006" xmlns:mv="urn:schemas-microsoft-com:mac:vml" xmlns:p="http://schemas.openxmlformats.org/presentationml/2006/main" xmlns:c="http://schemas.openxmlformats.org/drawingml/2006/chart" xmlns:dgm="http://schemas.openxmlformats.org/drawingml/2006/diagram" xmlns:o="urn:schemas-microsoft-com:office:office" xmlns:v="urn:schemas-microsoft-com:vml" xmlns:pvml="urn:schemas-microsoft-com:office:powerpoint" xmlns:com="http://schemas.openxmlformats.org/drawingml/2006/compatibility" xmlns:p14="http://schemas.microsoft.com/office/powerpoint/2010/main" xmlns:p15="http://schemas.microsoft.com/office/powerpoint/2012/main" xmlns:ahyp="http://schemas.microsoft.com/office/drawing/2018/hyperlinkcolor" showMasterPhAnim="0" showMasterSp="0">
+  <p:cSld>
+    <p:spTree>
+      <p:nvGrpSpPr>
+        <p:cNvPr id="144" name="Shape 144"/>
+        <p:cNvGrpSpPr/>
+        <p:nvPr/>
+      </p:nvGrpSpPr>
+      <p:grpSpPr>
+        <a:xfrm>
+          <a:off x="0" y="0"/>
+          <a:ext cx="0" cy="0"/>
+          <a:chOff x="0" y="0"/>
+          <a:chExt cx="0" cy="0"/>
+        </a:xfrm>
+      </p:grpSpPr>
+      <p:sp>
+        <p:nvSpPr>
+          <p:cNvPr id="145" name="Google Shape;145;gf2ebca80bb_0_6:notes"/>
+          <p:cNvSpPr/>
+          <p:nvPr>
+            <p:ph idx="2" type="sldImg"/>
+          </p:nvPr>
+        </p:nvSpPr>
+        <p:spPr>
+          <a:xfrm>
+            <a:off x="381300" y="685800"/>
+            <a:ext cx="6096000" cy="3429000"/>
+          </a:xfrm>
+          <a:custGeom>
+            <a:rect b="b" l="l" r="r" t="t"/>
+            <a:pathLst>
+              <a:path extrusionOk="0" h="120000" w="120000">
+                <a:moveTo>
+                  <a:pt x="0" y="0"/>
+                </a:moveTo>
+                <a:lnTo>
+                  <a:pt x="120000" y="0"/>
+                </a:lnTo>
+                <a:lnTo>
+                  <a:pt x="120000" y="120000"/>
+                </a:lnTo>
+                <a:lnTo>
+                  <a:pt x="0" y="120000"/>
+                </a:lnTo>
+                <a:close/>
+              </a:path>
+            </a:pathLst>
+          </a:custGeom>
+        </p:spPr>
+      </p:sp>
+      <p:sp>
+        <p:nvSpPr>
+          <p:cNvPr id="146" name="Google Shape;146;gf2ebca80bb_0_6:notes"/>
+          <p:cNvSpPr txBox="1"/>
+          <p:nvPr>
+            <p:ph idx="1" type="body"/>
+          </p:nvPr>
+        </p:nvSpPr>
+        <p:spPr>
+          <a:xfrm>
+            <a:off x="685800" y="4343400"/>
+            <a:ext cx="5486400" cy="4114800"/>
+          </a:xfrm>
+          <a:prstGeom prst="rect">
+            <a:avLst/>
+          </a:prstGeom>
+        </p:spPr>
+        <p:txBody>
+          <a:bodyPr anchorCtr="0" anchor="t" bIns="91425" lIns="91425" spcFirstLastPara="1" rIns="91425" wrap="square" tIns="91425">
+            <a:noAutofit/>
+          </a:bodyPr>
+          <a:lstStyle/>
+          <a:p>
+            <a:pPr indent="0" lvl="0" marL="0" rtl="0" algn="l">
+              <a:spcBef>
+                <a:spcPts val="0"/>
+              </a:spcBef>
+              <a:spcAft>
+                <a:spcPts val="0"/>
+              </a:spcAft>
+              <a:buNone/>
+            </a:pPr>
+            <a:r>
+              <a:t/>
+            </a:r>
+            <a:endParaRPr/>
+          </a:p>
+        </p:txBody>
+      </p:sp>
+    </p:spTree>
+  </p:cSld>
+  <p:clrMapOvr>
+    <a:masterClrMapping/>
+  </p:clrMapOvr>
+</p:notes>
+</file>
+
+<file path=ppt/notesSlides/notesSlide14.xml><?xml version="1.0" encoding="utf-8"?>
+<p:notes xmlns:a="http://schemas.openxmlformats.org/drawingml/2006/main" xmlns:r="http://schemas.openxmlformats.org/officeDocument/2006/relationships" xmlns:mc="http://schemas.openxmlformats.org/markup-compatibility/2006" xmlns:mv="urn:schemas-microsoft-com:mac:vml" xmlns:p="http://schemas.openxmlformats.org/presentationml/2006/main" xmlns:c="http://schemas.openxmlformats.org/drawingml/2006/chart" xmlns:dgm="http://schemas.openxmlformats.org/drawingml/2006/diagram" xmlns:o="urn:schemas-microsoft-com:office:office" xmlns:v="urn:schemas-microsoft-com:vml" xmlns:pvml="urn:schemas-microsoft-com:office:powerpoint" xmlns:com="http://schemas.openxmlformats.org/drawingml/2006/compatibility" xmlns:p14="http://schemas.microsoft.com/office/powerpoint/2010/main" xmlns:p15="http://schemas.microsoft.com/office/powerpoint/2012/main" xmlns:ahyp="http://schemas.microsoft.com/office/drawing/2018/hyperlinkcolor" showMasterPhAnim="0" showMasterSp="0">
+  <p:cSld>
+    <p:spTree>
+      <p:nvGrpSpPr>
+        <p:cNvPr id="149" name="Shape 149"/>
+        <p:cNvGrpSpPr/>
+        <p:nvPr/>
+      </p:nvGrpSpPr>
+      <p:grpSpPr>
+        <a:xfrm>
+          <a:off x="0" y="0"/>
+          <a:ext cx="0" cy="0"/>
+          <a:chOff x="0" y="0"/>
+          <a:chExt cx="0" cy="0"/>
+        </a:xfrm>
+      </p:grpSpPr>
+      <p:sp>
+        <p:nvSpPr>
+          <p:cNvPr id="150" name="Google Shape;150;gf18359c38f_0_0:notes"/>
+          <p:cNvSpPr/>
+          <p:nvPr>
+            <p:ph idx="2" type="sldImg"/>
+          </p:nvPr>
+        </p:nvSpPr>
+        <p:spPr>
+          <a:xfrm>
+            <a:off x="381300" y="685800"/>
+            <a:ext cx="6096000" cy="3429000"/>
+          </a:xfrm>
+          <a:custGeom>
+            <a:rect b="b" l="l" r="r" t="t"/>
+            <a:pathLst>
+              <a:path extrusionOk="0" h="120000" w="120000">
+                <a:moveTo>
+                  <a:pt x="0" y="0"/>
+                </a:moveTo>
+                <a:lnTo>
+                  <a:pt x="120000" y="0"/>
+                </a:lnTo>
+                <a:lnTo>
+                  <a:pt x="120000" y="120000"/>
+                </a:lnTo>
+                <a:lnTo>
+                  <a:pt x="0" y="120000"/>
+                </a:lnTo>
+                <a:close/>
+              </a:path>
+            </a:pathLst>
+          </a:custGeom>
+        </p:spPr>
+      </p:sp>
+      <p:sp>
+        <p:nvSpPr>
+          <p:cNvPr id="151" name="Google Shape;151;gf18359c38f_0_0:notes"/>
           <p:cNvSpPr txBox="1"/>
           <p:nvPr>
             <p:ph idx="1" type="body"/>
@@ -1012,7 +1312,7 @@
       </p:grpSpPr>
       <p:sp>
         <p:nvSpPr>
-          <p:cNvPr id="57" name="Google Shape;57;gf0db759779_0_0:notes"/>
+          <p:cNvPr id="57" name="Google Shape;57;gf2ebca80bb_0_0:notes"/>
           <p:cNvSpPr/>
           <p:nvPr>
             <p:ph idx="2" type="sldImg"/>
@@ -1047,7 +1347,7 @@
       </p:sp>
       <p:sp>
         <p:nvSpPr>
-          <p:cNvPr id="58" name="Google Shape;58;gf0db759779_0_0:notes"/>
+          <p:cNvPr id="58" name="Google Shape;58;gf2ebca80bb_0_0:notes"/>
           <p:cNvSpPr txBox="1"/>
           <p:nvPr>
             <p:ph idx="1" type="body"/>
@@ -1097,7 +1397,7 @@
   <p:cSld>
     <p:spTree>
       <p:nvGrpSpPr>
-        <p:cNvPr id="63" name="Shape 63"/>
+        <p:cNvPr id="61" name="Shape 61"/>
         <p:cNvGrpSpPr/>
         <p:nvPr/>
       </p:nvGrpSpPr>
@@ -1111,7 +1411,7 @@
       </p:grpSpPr>
       <p:sp>
         <p:nvSpPr>
-          <p:cNvPr id="64" name="Google Shape;64;gf0db759779_0_6:notes"/>
+          <p:cNvPr id="62" name="Google Shape;62;gf0db759779_0_0:notes"/>
           <p:cNvSpPr/>
           <p:nvPr>
             <p:ph idx="2" type="sldImg"/>
@@ -1146,7 +1446,7 @@
       </p:sp>
       <p:sp>
         <p:nvSpPr>
-          <p:cNvPr id="65" name="Google Shape;65;gf0db759779_0_6:notes"/>
+          <p:cNvPr id="63" name="Google Shape;63;gf0db759779_0_0:notes"/>
           <p:cNvSpPr txBox="1"/>
           <p:nvPr>
             <p:ph idx="1" type="body"/>
@@ -1210,7 +1510,7 @@
       </p:grpSpPr>
       <p:sp>
         <p:nvSpPr>
-          <p:cNvPr id="70" name="Google Shape;70;gf0db759779_0_11:notes"/>
+          <p:cNvPr id="70" name="Google Shape;70;gf0db759779_0_6:notes"/>
           <p:cNvSpPr/>
           <p:nvPr>
             <p:ph idx="2" type="sldImg"/>
@@ -1245,7 +1545,7 @@
       </p:sp>
       <p:sp>
         <p:nvSpPr>
-          <p:cNvPr id="71" name="Google Shape;71;gf0db759779_0_11:notes"/>
+          <p:cNvPr id="71" name="Google Shape;71;gf0db759779_0_6:notes"/>
           <p:cNvSpPr txBox="1"/>
           <p:nvPr>
             <p:ph idx="1" type="body"/>
@@ -1309,7 +1609,7 @@
       </p:grpSpPr>
       <p:sp>
         <p:nvSpPr>
-          <p:cNvPr id="77" name="Google Shape;77;gf0db759779_0_69:notes"/>
+          <p:cNvPr id="77" name="Google Shape;77;gf0db759779_0_11:notes"/>
           <p:cNvSpPr/>
           <p:nvPr>
             <p:ph idx="2" type="sldImg"/>
@@ -1344,7 +1644,7 @@
       </p:sp>
       <p:sp>
         <p:nvSpPr>
-          <p:cNvPr id="78" name="Google Shape;78;gf0db759779_0_69:notes"/>
+          <p:cNvPr id="78" name="Google Shape;78;gf0db759779_0_11:notes"/>
           <p:cNvSpPr txBox="1"/>
           <p:nvPr>
             <p:ph idx="1" type="body"/>
@@ -1394,7 +1694,7 @@
   <p:cSld>
     <p:spTree>
       <p:nvGrpSpPr>
-        <p:cNvPr id="82" name="Shape 82"/>
+        <p:cNvPr id="84" name="Shape 84"/>
         <p:cNvGrpSpPr/>
         <p:nvPr/>
       </p:nvGrpSpPr>
@@ -1408,7 +1708,7 @@
       </p:grpSpPr>
       <p:sp>
         <p:nvSpPr>
-          <p:cNvPr id="83" name="Google Shape;83;gf0db759779_0_16:notes"/>
+          <p:cNvPr id="85" name="Google Shape;85;gf0db759779_0_69:notes"/>
           <p:cNvSpPr/>
           <p:nvPr>
             <p:ph idx="2" type="sldImg"/>
@@ -1443,7 +1743,7 @@
       </p:sp>
       <p:sp>
         <p:nvSpPr>
-          <p:cNvPr id="84" name="Google Shape;84;gf0db759779_0_16:notes"/>
+          <p:cNvPr id="86" name="Google Shape;86;gf0db759779_0_69:notes"/>
           <p:cNvSpPr txBox="1"/>
           <p:nvPr>
             <p:ph idx="1" type="body"/>
@@ -1493,7 +1793,7 @@
   <p:cSld>
     <p:spTree>
       <p:nvGrpSpPr>
-        <p:cNvPr id="91" name="Shape 91"/>
+        <p:cNvPr id="93" name="Shape 93"/>
         <p:cNvGrpSpPr/>
         <p:nvPr/>
       </p:nvGrpSpPr>
@@ -1507,7 +1807,7 @@
       </p:grpSpPr>
       <p:sp>
         <p:nvSpPr>
-          <p:cNvPr id="92" name="Google Shape;92;gf0db759779_0_43:notes"/>
+          <p:cNvPr id="94" name="Google Shape;94;gf0db759779_0_16:notes"/>
           <p:cNvSpPr/>
           <p:nvPr>
             <p:ph idx="2" type="sldImg"/>
@@ -1542,7 +1842,7 @@
       </p:sp>
       <p:sp>
         <p:nvSpPr>
-          <p:cNvPr id="93" name="Google Shape;93;gf0db759779_0_43:notes"/>
+          <p:cNvPr id="95" name="Google Shape;95;gf0db759779_0_16:notes"/>
           <p:cNvSpPr txBox="1"/>
           <p:nvPr>
             <p:ph idx="1" type="body"/>
@@ -1592,7 +1892,7 @@
   <p:cSld>
     <p:spTree>
       <p:nvGrpSpPr>
-        <p:cNvPr id="99" name="Shape 99"/>
+        <p:cNvPr id="103" name="Shape 103"/>
         <p:cNvGrpSpPr/>
         <p:nvPr/>
       </p:nvGrpSpPr>
@@ -1606,7 +1906,7 @@
       </p:grpSpPr>
       <p:sp>
         <p:nvSpPr>
-          <p:cNvPr id="100" name="Google Shape;100;gf0db759779_0_36:notes"/>
+          <p:cNvPr id="104" name="Google Shape;104;gf0db759779_0_43:notes"/>
           <p:cNvSpPr/>
           <p:nvPr>
             <p:ph idx="2" type="sldImg"/>
@@ -1641,7 +1941,7 @@
       </p:sp>
       <p:sp>
         <p:nvSpPr>
-          <p:cNvPr id="101" name="Google Shape;101;gf0db759779_0_36:notes"/>
+          <p:cNvPr id="105" name="Google Shape;105;gf0db759779_0_43:notes"/>
           <p:cNvSpPr txBox="1"/>
           <p:nvPr>
             <p:ph idx="1" type="body"/>
@@ -1691,7 +1991,7 @@
   <p:cSld>
     <p:spTree>
       <p:nvGrpSpPr>
-        <p:cNvPr id="106" name="Shape 106"/>
+        <p:cNvPr id="112" name="Shape 112"/>
         <p:cNvGrpSpPr/>
         <p:nvPr/>
       </p:nvGrpSpPr>
@@ -1705,7 +2005,7 @@
       </p:grpSpPr>
       <p:sp>
         <p:nvSpPr>
-          <p:cNvPr id="107" name="Google Shape;107;gf0db759779_0_48:notes"/>
+          <p:cNvPr id="113" name="Google Shape;113;gf0db759779_0_36:notes"/>
           <p:cNvSpPr/>
           <p:nvPr>
             <p:ph idx="2" type="sldImg"/>
@@ -1740,7 +2040,7 @@
       </p:sp>
       <p:sp>
         <p:nvSpPr>
-          <p:cNvPr id="108" name="Google Shape;108;gf0db759779_0_48:notes"/>
+          <p:cNvPr id="114" name="Google Shape;114;gf0db759779_0_36:notes"/>
           <p:cNvSpPr txBox="1"/>
           <p:nvPr>
             <p:ph idx="1" type="body"/>
@@ -6485,19 +6785,7 @@
             </a:pPr>
             <a:r>
               <a:rPr lang="es-419"/>
-              <a:t>Análisis</a:t>
-            </a:r>
-            <a:r>
-              <a:rPr lang="es-419"/>
-              <a:t> y p</a:t>
-            </a:r>
-            <a:r>
-              <a:rPr lang="es-419"/>
-              <a:t>redicción</a:t>
-            </a:r>
-            <a:r>
-              <a:rPr lang="es-419"/>
-              <a:t> de los movimientos relativos del </a:t>
+              <a:t>Análisis y predicción de los movimientos relativos del </a:t>
             </a:r>
             <a:endParaRPr/>
           </a:p>
@@ -6570,15 +6858,7 @@
             </a:pPr>
             <a:r>
               <a:rPr lang="es-419"/>
-              <a:t>Edward </a:t>
-            </a:r>
-            <a:r>
-              <a:rPr lang="es-419"/>
-              <a:t>Andrés</a:t>
-            </a:r>
-            <a:r>
-              <a:rPr lang="es-419"/>
-              <a:t> Sandoval Pineda</a:t>
+              <a:t>Edward Andrés Sandoval Pineda</a:t>
             </a:r>
             <a:endParaRPr/>
           </a:p>
@@ -6631,7 +6911,7 @@
   <p:cSld>
     <p:spTree>
       <p:nvGrpSpPr>
-        <p:cNvPr id="116" name="Shape 116"/>
+        <p:cNvPr id="123" name="Shape 123"/>
         <p:cNvGrpSpPr/>
         <p:nvPr/>
       </p:nvGrpSpPr>
@@ -6645,7 +6925,7 @@
       </p:grpSpPr>
       <p:sp>
         <p:nvSpPr>
-          <p:cNvPr id="117" name="Google Shape;117;p22"/>
+          <p:cNvPr id="124" name="Google Shape;124;p22"/>
           <p:cNvSpPr txBox="1"/>
           <p:nvPr>
             <p:ph type="title"/>
@@ -6681,50 +6961,11 @@
             </a:r>
             <a:r>
               <a:rPr lang="es-419"/>
-              <a:t>Support Vector</a:t>
+              <a:t>Random Forest</a:t>
             </a:r>
             <a:r>
               <a:rPr lang="es-419"/>
               <a:t> Regressor</a:t>
-            </a:r>
-            <a:endParaRPr/>
-          </a:p>
-        </p:txBody>
-      </p:sp>
-      <p:sp>
-        <p:nvSpPr>
-          <p:cNvPr id="118" name="Google Shape;118;p22"/>
-          <p:cNvSpPr txBox="1"/>
-          <p:nvPr>
-            <p:ph idx="1" type="body"/>
-          </p:nvPr>
-        </p:nvSpPr>
-        <p:spPr>
-          <a:xfrm>
-            <a:off x="311700" y="1152475"/>
-            <a:ext cx="8520600" cy="3416400"/>
-          </a:xfrm>
-          <a:prstGeom prst="rect">
-            <a:avLst/>
-          </a:prstGeom>
-        </p:spPr>
-        <p:txBody>
-          <a:bodyPr anchorCtr="0" anchor="t" bIns="91425" lIns="91425" spcFirstLastPara="1" rIns="91425" wrap="square" tIns="91425">
-            <a:normAutofit/>
-          </a:bodyPr>
-          <a:lstStyle/>
-          <a:p>
-            <a:pPr indent="0" lvl="0" marL="0" rtl="0" algn="l">
-              <a:spcBef>
-                <a:spcPts val="0"/>
-              </a:spcBef>
-              <a:spcAft>
-                <a:spcPts val="1200"/>
-              </a:spcAft>
-              <a:buNone/>
-            </a:pPr>
-            <a:r>
-              <a:t/>
             </a:r>
             <a:endParaRPr/>
           </a:p>
@@ -6732,7 +6973,7 @@
       </p:sp>
       <p:pic>
         <p:nvPicPr>
-          <p:cNvPr id="119" name="Google Shape;119;p22"/>
+          <p:cNvPr id="125" name="Google Shape;125;p22"/>
           <p:cNvPicPr preferRelativeResize="0"/>
           <p:nvPr/>
         </p:nvPicPr>
@@ -6746,7 +6987,7 @@
         </p:blipFill>
         <p:spPr>
           <a:xfrm>
-            <a:off x="536900" y="1625650"/>
+            <a:off x="452925" y="1657150"/>
             <a:ext cx="3733800" cy="2647950"/>
           </a:xfrm>
           <a:prstGeom prst="rect">
@@ -6760,7 +7001,7 @@
       </p:pic>
       <p:pic>
         <p:nvPicPr>
-          <p:cNvPr id="120" name="Google Shape;120;p22"/>
+          <p:cNvPr id="126" name="Google Shape;126;p22"/>
           <p:cNvPicPr preferRelativeResize="0"/>
           <p:nvPr/>
         </p:nvPicPr>
@@ -6774,7 +7015,7 @@
         </p:blipFill>
         <p:spPr>
           <a:xfrm>
-            <a:off x="4788175" y="1625650"/>
+            <a:off x="4572000" y="1657150"/>
             <a:ext cx="3733800" cy="2647950"/>
           </a:xfrm>
           <a:prstGeom prst="rect">
@@ -6786,6 +7027,48 @@
           </a:ln>
         </p:spPr>
       </p:pic>
+      <p:sp>
+        <p:nvSpPr>
+          <p:cNvPr id="127" name="Google Shape;127;p22"/>
+          <p:cNvSpPr txBox="1"/>
+          <p:nvPr/>
+        </p:nvSpPr>
+        <p:spPr>
+          <a:xfrm>
+            <a:off x="17400" y="4774200"/>
+            <a:ext cx="9126600" cy="369300"/>
+          </a:xfrm>
+          <a:prstGeom prst="rect">
+            <a:avLst/>
+          </a:prstGeom>
+          <a:noFill/>
+          <a:ln>
+            <a:noFill/>
+          </a:ln>
+        </p:spPr>
+        <p:txBody>
+          <a:bodyPr anchorCtr="0" anchor="t" bIns="91425" lIns="91425" spcFirstLastPara="1" rIns="91425" wrap="square" tIns="91425">
+            <a:spAutoFit/>
+          </a:bodyPr>
+          <a:lstStyle/>
+          <a:p>
+            <a:pPr indent="0" lvl="0" marL="0" rtl="0" algn="r">
+              <a:spcBef>
+                <a:spcPts val="0"/>
+              </a:spcBef>
+              <a:spcAft>
+                <a:spcPts val="0"/>
+              </a:spcAft>
+              <a:buNone/>
+            </a:pPr>
+            <a:r>
+              <a:rPr lang="es-419" sz="1200"/>
+              <a:t>8</a:t>
+            </a:r>
+            <a:endParaRPr sz="500"/>
+          </a:p>
+        </p:txBody>
+      </p:sp>
     </p:spTree>
   </p:cSld>
   <p:clrMapOvr>
@@ -6799,7 +7082,7 @@
   <p:cSld>
     <p:spTree>
       <p:nvGrpSpPr>
-        <p:cNvPr id="124" name="Shape 124"/>
+        <p:cNvPr id="131" name="Shape 131"/>
         <p:cNvGrpSpPr/>
         <p:nvPr/>
       </p:nvGrpSpPr>
@@ -6813,7 +7096,7 @@
       </p:grpSpPr>
       <p:sp>
         <p:nvSpPr>
-          <p:cNvPr id="125" name="Google Shape;125;p23"/>
+          <p:cNvPr id="132" name="Google Shape;132;p23"/>
           <p:cNvSpPr txBox="1"/>
           <p:nvPr>
             <p:ph type="title"/>
@@ -6849,7 +7132,7 @@
             </a:r>
             <a:r>
               <a:rPr lang="es-419"/>
-              <a:t>MultiLayer Perceptron</a:t>
+              <a:t>Support Vector</a:t>
             </a:r>
             <a:r>
               <a:rPr lang="es-419"/>
@@ -6861,7 +7144,7 @@
       </p:sp>
       <p:pic>
         <p:nvPicPr>
-          <p:cNvPr id="126" name="Google Shape;126;p23"/>
+          <p:cNvPr id="133" name="Google Shape;133;p23"/>
           <p:cNvPicPr preferRelativeResize="0"/>
           <p:nvPr/>
         </p:nvPicPr>
@@ -6875,8 +7158,8 @@
         </p:blipFill>
         <p:spPr>
           <a:xfrm>
-            <a:off x="508300" y="1667650"/>
-            <a:ext cx="3790950" cy="2647950"/>
+            <a:off x="536900" y="1625650"/>
+            <a:ext cx="3733800" cy="2647950"/>
           </a:xfrm>
           <a:prstGeom prst="rect">
             <a:avLst/>
@@ -6889,7 +7172,7 @@
       </p:pic>
       <p:pic>
         <p:nvPicPr>
-          <p:cNvPr id="127" name="Google Shape;127;p23"/>
+          <p:cNvPr id="134" name="Google Shape;134;p23"/>
           <p:cNvPicPr preferRelativeResize="0"/>
           <p:nvPr/>
         </p:nvPicPr>
@@ -6903,7 +7186,7 @@
         </p:blipFill>
         <p:spPr>
           <a:xfrm>
-            <a:off x="4572000" y="1667650"/>
+            <a:off x="4788175" y="1625650"/>
             <a:ext cx="3733800" cy="2647950"/>
           </a:xfrm>
           <a:prstGeom prst="rect">
@@ -6915,6 +7198,1635 @@
           </a:ln>
         </p:spPr>
       </p:pic>
+      <p:sp>
+        <p:nvSpPr>
+          <p:cNvPr id="135" name="Google Shape;135;p23"/>
+          <p:cNvSpPr txBox="1"/>
+          <p:nvPr/>
+        </p:nvSpPr>
+        <p:spPr>
+          <a:xfrm>
+            <a:off x="17400" y="4774200"/>
+            <a:ext cx="9126600" cy="369300"/>
+          </a:xfrm>
+          <a:prstGeom prst="rect">
+            <a:avLst/>
+          </a:prstGeom>
+          <a:noFill/>
+          <a:ln>
+            <a:noFill/>
+          </a:ln>
+        </p:spPr>
+        <p:txBody>
+          <a:bodyPr anchorCtr="0" anchor="t" bIns="91425" lIns="91425" spcFirstLastPara="1" rIns="91425" wrap="square" tIns="91425">
+            <a:spAutoFit/>
+          </a:bodyPr>
+          <a:lstStyle/>
+          <a:p>
+            <a:pPr indent="0" lvl="0" marL="0" rtl="0" algn="r">
+              <a:spcBef>
+                <a:spcPts val="0"/>
+              </a:spcBef>
+              <a:spcAft>
+                <a:spcPts val="0"/>
+              </a:spcAft>
+              <a:buNone/>
+            </a:pPr>
+            <a:r>
+              <a:rPr lang="es-419" sz="1200"/>
+              <a:t>9</a:t>
+            </a:r>
+            <a:endParaRPr sz="500"/>
+          </a:p>
+        </p:txBody>
+      </p:sp>
+    </p:spTree>
+  </p:cSld>
+  <p:clrMapOvr>
+    <a:masterClrMapping/>
+  </p:clrMapOvr>
+</p:sld>
+</file>
+
+<file path=ppt/slides/slide12.xml><?xml version="1.0" encoding="utf-8"?>
+<p:sld xmlns:a="http://schemas.openxmlformats.org/drawingml/2006/main" xmlns:r="http://schemas.openxmlformats.org/officeDocument/2006/relationships" xmlns:mc="http://schemas.openxmlformats.org/markup-compatibility/2006" xmlns:mv="urn:schemas-microsoft-com:mac:vml" xmlns:p="http://schemas.openxmlformats.org/presentationml/2006/main" xmlns:c="http://schemas.openxmlformats.org/drawingml/2006/chart" xmlns:dgm="http://schemas.openxmlformats.org/drawingml/2006/diagram" xmlns:o="urn:schemas-microsoft-com:office:office" xmlns:v="urn:schemas-microsoft-com:vml" xmlns:pvml="urn:schemas-microsoft-com:office:powerpoint" xmlns:com="http://schemas.openxmlformats.org/drawingml/2006/compatibility" xmlns:p14="http://schemas.microsoft.com/office/powerpoint/2010/main" xmlns:p15="http://schemas.microsoft.com/office/powerpoint/2012/main" xmlns:ahyp="http://schemas.microsoft.com/office/drawing/2018/hyperlinkcolor">
+  <p:cSld>
+    <p:spTree>
+      <p:nvGrpSpPr>
+        <p:cNvPr id="139" name="Shape 139"/>
+        <p:cNvGrpSpPr/>
+        <p:nvPr/>
+      </p:nvGrpSpPr>
+      <p:grpSpPr>
+        <a:xfrm>
+          <a:off x="0" y="0"/>
+          <a:ext cx="0" cy="0"/>
+          <a:chOff x="0" y="0"/>
+          <a:chExt cx="0" cy="0"/>
+        </a:xfrm>
+      </p:grpSpPr>
+      <p:sp>
+        <p:nvSpPr>
+          <p:cNvPr id="140" name="Google Shape;140;p24"/>
+          <p:cNvSpPr txBox="1"/>
+          <p:nvPr>
+            <p:ph type="title"/>
+          </p:nvPr>
+        </p:nvSpPr>
+        <p:spPr>
+          <a:xfrm>
+            <a:off x="311700" y="445025"/>
+            <a:ext cx="8520600" cy="572700"/>
+          </a:xfrm>
+          <a:prstGeom prst="rect">
+            <a:avLst/>
+          </a:prstGeom>
+        </p:spPr>
+        <p:txBody>
+          <a:bodyPr anchorCtr="0" anchor="t" bIns="91425" lIns="91425" spcFirstLastPara="1" rIns="91425" wrap="square" tIns="91425">
+            <a:normAutofit fontScale="90000"/>
+          </a:bodyPr>
+          <a:lstStyle/>
+          <a:p>
+            <a:pPr indent="0" lvl="0" marL="0" rtl="0" algn="l">
+              <a:spcBef>
+                <a:spcPts val="0"/>
+              </a:spcBef>
+              <a:spcAft>
+                <a:spcPts val="0"/>
+              </a:spcAft>
+              <a:buNone/>
+            </a:pPr>
+            <a:r>
+              <a:rPr b="1" lang="es-419"/>
+              <a:t>Algoritmos: </a:t>
+            </a:r>
+            <a:r>
+              <a:rPr lang="es-419"/>
+              <a:t>MultiLayer Perceptron</a:t>
+            </a:r>
+            <a:r>
+              <a:rPr lang="es-419"/>
+              <a:t> Regressor</a:t>
+            </a:r>
+            <a:endParaRPr/>
+          </a:p>
+        </p:txBody>
+      </p:sp>
+      <p:pic>
+        <p:nvPicPr>
+          <p:cNvPr id="141" name="Google Shape;141;p24"/>
+          <p:cNvPicPr preferRelativeResize="0"/>
+          <p:nvPr/>
+        </p:nvPicPr>
+        <p:blipFill>
+          <a:blip r:embed="rId3">
+            <a:alphaModFix/>
+          </a:blip>
+          <a:stretch>
+            <a:fillRect/>
+          </a:stretch>
+        </p:blipFill>
+        <p:spPr>
+          <a:xfrm>
+            <a:off x="508300" y="1667650"/>
+            <a:ext cx="3790950" cy="2647950"/>
+          </a:xfrm>
+          <a:prstGeom prst="rect">
+            <a:avLst/>
+          </a:prstGeom>
+          <a:noFill/>
+          <a:ln>
+            <a:noFill/>
+          </a:ln>
+        </p:spPr>
+      </p:pic>
+      <p:pic>
+        <p:nvPicPr>
+          <p:cNvPr id="142" name="Google Shape;142;p24"/>
+          <p:cNvPicPr preferRelativeResize="0"/>
+          <p:nvPr/>
+        </p:nvPicPr>
+        <p:blipFill>
+          <a:blip r:embed="rId4">
+            <a:alphaModFix/>
+          </a:blip>
+          <a:stretch>
+            <a:fillRect/>
+          </a:stretch>
+        </p:blipFill>
+        <p:spPr>
+          <a:xfrm>
+            <a:off x="4572000" y="1667650"/>
+            <a:ext cx="3733800" cy="2647950"/>
+          </a:xfrm>
+          <a:prstGeom prst="rect">
+            <a:avLst/>
+          </a:prstGeom>
+          <a:noFill/>
+          <a:ln>
+            <a:noFill/>
+          </a:ln>
+        </p:spPr>
+      </p:pic>
+      <p:sp>
+        <p:nvSpPr>
+          <p:cNvPr id="143" name="Google Shape;143;p24"/>
+          <p:cNvSpPr txBox="1"/>
+          <p:nvPr/>
+        </p:nvSpPr>
+        <p:spPr>
+          <a:xfrm>
+            <a:off x="17400" y="4774200"/>
+            <a:ext cx="9126600" cy="369300"/>
+          </a:xfrm>
+          <a:prstGeom prst="rect">
+            <a:avLst/>
+          </a:prstGeom>
+          <a:noFill/>
+          <a:ln>
+            <a:noFill/>
+          </a:ln>
+        </p:spPr>
+        <p:txBody>
+          <a:bodyPr anchorCtr="0" anchor="t" bIns="91425" lIns="91425" spcFirstLastPara="1" rIns="91425" wrap="square" tIns="91425">
+            <a:spAutoFit/>
+          </a:bodyPr>
+          <a:lstStyle/>
+          <a:p>
+            <a:pPr indent="0" lvl="0" marL="0" rtl="0" algn="r">
+              <a:spcBef>
+                <a:spcPts val="0"/>
+              </a:spcBef>
+              <a:spcAft>
+                <a:spcPts val="0"/>
+              </a:spcAft>
+              <a:buNone/>
+            </a:pPr>
+            <a:r>
+              <a:rPr lang="es-419" sz="1200"/>
+              <a:t>10</a:t>
+            </a:r>
+            <a:endParaRPr sz="500"/>
+          </a:p>
+        </p:txBody>
+      </p:sp>
+    </p:spTree>
+  </p:cSld>
+  <p:clrMapOvr>
+    <a:masterClrMapping/>
+  </p:clrMapOvr>
+</p:sld>
+</file>
+
+<file path=ppt/slides/slide13.xml><?xml version="1.0" encoding="utf-8"?>
+<p:sld xmlns:a="http://schemas.openxmlformats.org/drawingml/2006/main" xmlns:r="http://schemas.openxmlformats.org/officeDocument/2006/relationships" xmlns:mc="http://schemas.openxmlformats.org/markup-compatibility/2006" xmlns:mv="urn:schemas-microsoft-com:mac:vml" xmlns:p="http://schemas.openxmlformats.org/presentationml/2006/main" xmlns:c="http://schemas.openxmlformats.org/drawingml/2006/chart" xmlns:dgm="http://schemas.openxmlformats.org/drawingml/2006/diagram" xmlns:o="urn:schemas-microsoft-com:office:office" xmlns:v="urn:schemas-microsoft-com:vml" xmlns:pvml="urn:schemas-microsoft-com:office:powerpoint" xmlns:com="http://schemas.openxmlformats.org/drawingml/2006/compatibility" xmlns:p14="http://schemas.microsoft.com/office/powerpoint/2010/main" xmlns:p15="http://schemas.microsoft.com/office/powerpoint/2012/main" xmlns:ahyp="http://schemas.microsoft.com/office/drawing/2018/hyperlinkcolor">
+  <p:cSld>
+    <p:spTree>
+      <p:nvGrpSpPr>
+        <p:cNvPr id="147" name="Shape 147"/>
+        <p:cNvGrpSpPr/>
+        <p:nvPr/>
+      </p:nvGrpSpPr>
+      <p:grpSpPr>
+        <a:xfrm>
+          <a:off x="0" y="0"/>
+          <a:ext cx="0" cy="0"/>
+          <a:chOff x="0" y="0"/>
+          <a:chExt cx="0" cy="0"/>
+        </a:xfrm>
+      </p:grpSpPr>
+      <p:sp>
+        <p:nvSpPr>
+          <p:cNvPr id="148" name="Google Shape;148;p25"/>
+          <p:cNvSpPr txBox="1"/>
+          <p:nvPr>
+            <p:ph type="title"/>
+          </p:nvPr>
+        </p:nvSpPr>
+        <p:spPr>
+          <a:xfrm>
+            <a:off x="311700" y="2285400"/>
+            <a:ext cx="8520600" cy="572700"/>
+          </a:xfrm>
+          <a:prstGeom prst="rect">
+            <a:avLst/>
+          </a:prstGeom>
+        </p:spPr>
+        <p:txBody>
+          <a:bodyPr anchorCtr="0" anchor="t" bIns="91425" lIns="91425" spcFirstLastPara="1" rIns="91425" wrap="square" tIns="91425">
+            <a:normAutofit fontScale="90000"/>
+          </a:bodyPr>
+          <a:lstStyle/>
+          <a:p>
+            <a:pPr indent="0" lvl="0" marL="0" rtl="0" algn="l">
+              <a:spcBef>
+                <a:spcPts val="0"/>
+              </a:spcBef>
+              <a:spcAft>
+                <a:spcPts val="0"/>
+              </a:spcAft>
+              <a:buNone/>
+            </a:pPr>
+            <a:r>
+              <a:rPr lang="es-419"/>
+              <a:t>Gracias por su atención. </a:t>
+            </a:r>
+            <a:endParaRPr/>
+          </a:p>
+        </p:txBody>
+      </p:sp>
+    </p:spTree>
+  </p:cSld>
+  <p:clrMapOvr>
+    <a:masterClrMapping/>
+  </p:clrMapOvr>
+</p:sld>
+</file>
+
+<file path=ppt/slides/slide14.xml><?xml version="1.0" encoding="utf-8"?>
+<p:sld xmlns:a="http://schemas.openxmlformats.org/drawingml/2006/main" xmlns:r="http://schemas.openxmlformats.org/officeDocument/2006/relationships" xmlns:mc="http://schemas.openxmlformats.org/markup-compatibility/2006" xmlns:mv="urn:schemas-microsoft-com:mac:vml" xmlns:p="http://schemas.openxmlformats.org/presentationml/2006/main" xmlns:c="http://schemas.openxmlformats.org/drawingml/2006/chart" xmlns:dgm="http://schemas.openxmlformats.org/drawingml/2006/diagram" xmlns:o="urn:schemas-microsoft-com:office:office" xmlns:v="urn:schemas-microsoft-com:vml" xmlns:pvml="urn:schemas-microsoft-com:office:powerpoint" xmlns:com="http://schemas.openxmlformats.org/drawingml/2006/compatibility" xmlns:p14="http://schemas.microsoft.com/office/powerpoint/2010/main" xmlns:p15="http://schemas.microsoft.com/office/powerpoint/2012/main" xmlns:ahyp="http://schemas.microsoft.com/office/drawing/2018/hyperlinkcolor">
+  <p:cSld>
+    <p:spTree>
+      <p:nvGrpSpPr>
+        <p:cNvPr id="152" name="Shape 152"/>
+        <p:cNvGrpSpPr/>
+        <p:nvPr/>
+      </p:nvGrpSpPr>
+      <p:grpSpPr>
+        <a:xfrm>
+          <a:off x="0" y="0"/>
+          <a:ext cx="0" cy="0"/>
+          <a:chOff x="0" y="0"/>
+          <a:chExt cx="0" cy="0"/>
+        </a:xfrm>
+      </p:grpSpPr>
+      <p:pic>
+        <p:nvPicPr>
+          <p:cNvPr id="153" name="Google Shape;153;p26"/>
+          <p:cNvPicPr preferRelativeResize="0"/>
+          <p:nvPr/>
+        </p:nvPicPr>
+        <p:blipFill>
+          <a:blip r:embed="rId3">
+            <a:alphaModFix/>
+          </a:blip>
+          <a:stretch>
+            <a:fillRect/>
+          </a:stretch>
+        </p:blipFill>
+        <p:spPr>
+          <a:xfrm>
+            <a:off x="1911339" y="1209850"/>
+            <a:ext cx="5321324" cy="3029174"/>
+          </a:xfrm>
+          <a:prstGeom prst="rect">
+            <a:avLst/>
+          </a:prstGeom>
+          <a:noFill/>
+          <a:ln>
+            <a:noFill/>
+          </a:ln>
+        </p:spPr>
+      </p:pic>
+      <p:pic>
+        <p:nvPicPr>
+          <p:cNvPr id="154" name="Google Shape;154;p26"/>
+          <p:cNvPicPr preferRelativeResize="0"/>
+          <p:nvPr/>
+        </p:nvPicPr>
+        <p:blipFill rotWithShape="1">
+          <a:blip r:embed="rId4">
+            <a:alphaModFix/>
+          </a:blip>
+          <a:srcRect b="9485" l="13233" r="4671" t="4441"/>
+          <a:stretch/>
+        </p:blipFill>
+        <p:spPr>
+          <a:xfrm>
+            <a:off x="389925" y="1804622"/>
+            <a:ext cx="1521425" cy="1534275"/>
+          </a:xfrm>
+          <a:prstGeom prst="rect">
+            <a:avLst/>
+          </a:prstGeom>
+          <a:noFill/>
+          <a:ln>
+            <a:noFill/>
+          </a:ln>
+        </p:spPr>
+      </p:pic>
+      <p:pic>
+        <p:nvPicPr>
+          <p:cNvPr id="155" name="Google Shape;155;p26"/>
+          <p:cNvPicPr preferRelativeResize="0"/>
+          <p:nvPr/>
+        </p:nvPicPr>
+        <p:blipFill rotWithShape="1">
+          <a:blip r:embed="rId5">
+            <a:alphaModFix/>
+          </a:blip>
+          <a:srcRect b="10525" l="13701" r="4545" t="5199"/>
+          <a:stretch/>
+        </p:blipFill>
+        <p:spPr>
+          <a:xfrm>
+            <a:off x="7232675" y="1773439"/>
+            <a:ext cx="1610259" cy="1596650"/>
+          </a:xfrm>
+          <a:prstGeom prst="rect">
+            <a:avLst/>
+          </a:prstGeom>
+          <a:noFill/>
+          <a:ln>
+            <a:noFill/>
+          </a:ln>
+        </p:spPr>
+      </p:pic>
+      <p:sp>
+        <p:nvSpPr>
+          <p:cNvPr id="156" name="Google Shape;156;p26"/>
+          <p:cNvSpPr txBox="1"/>
+          <p:nvPr/>
+        </p:nvSpPr>
+        <p:spPr>
+          <a:xfrm rot="-5400000">
+            <a:off x="2239588" y="2266825"/>
+            <a:ext cx="654000" cy="338700"/>
+          </a:xfrm>
+          <a:prstGeom prst="rect">
+            <a:avLst/>
+          </a:prstGeom>
+          <a:noFill/>
+          <a:ln>
+            <a:noFill/>
+          </a:ln>
+        </p:spPr>
+        <p:txBody>
+          <a:bodyPr anchorCtr="0" anchor="t" bIns="91425" lIns="91425" spcFirstLastPara="1" rIns="91425" wrap="square" tIns="91425">
+            <a:spAutoFit/>
+          </a:bodyPr>
+          <a:lstStyle/>
+          <a:p>
+            <a:pPr indent="0" lvl="0" marL="0" rtl="0" algn="l">
+              <a:spcBef>
+                <a:spcPts val="0"/>
+              </a:spcBef>
+              <a:spcAft>
+                <a:spcPts val="0"/>
+              </a:spcAft>
+              <a:buNone/>
+            </a:pPr>
+            <a:r>
+              <a:rPr lang="es-419" sz="1000">
+                <a:highlight>
+                  <a:schemeClr val="lt1"/>
+                </a:highlight>
+                <a:latin typeface="Times New Roman"/>
+                <a:ea typeface="Times New Roman"/>
+                <a:cs typeface="Times New Roman"/>
+                <a:sym typeface="Times New Roman"/>
+              </a:rPr>
+              <a:t>Conv2D</a:t>
+            </a:r>
+            <a:endParaRPr sz="1000">
+              <a:highlight>
+                <a:schemeClr val="lt1"/>
+              </a:highlight>
+              <a:latin typeface="Times New Roman"/>
+              <a:ea typeface="Times New Roman"/>
+              <a:cs typeface="Times New Roman"/>
+              <a:sym typeface="Times New Roman"/>
+            </a:endParaRPr>
+          </a:p>
+        </p:txBody>
+      </p:sp>
+      <p:sp>
+        <p:nvSpPr>
+          <p:cNvPr id="157" name="Google Shape;157;p26"/>
+          <p:cNvSpPr txBox="1"/>
+          <p:nvPr/>
+        </p:nvSpPr>
+        <p:spPr>
+          <a:xfrm rot="-5400000">
+            <a:off x="2815450" y="2316725"/>
+            <a:ext cx="1065000" cy="338700"/>
+          </a:xfrm>
+          <a:prstGeom prst="rect">
+            <a:avLst/>
+          </a:prstGeom>
+          <a:noFill/>
+          <a:ln>
+            <a:noFill/>
+          </a:ln>
+        </p:spPr>
+        <p:txBody>
+          <a:bodyPr anchorCtr="0" anchor="t" bIns="91425" lIns="91425" spcFirstLastPara="1" rIns="91425" wrap="square" tIns="91425">
+            <a:spAutoFit/>
+          </a:bodyPr>
+          <a:lstStyle/>
+          <a:p>
+            <a:pPr indent="0" lvl="0" marL="0" rtl="0" algn="l">
+              <a:spcBef>
+                <a:spcPts val="0"/>
+              </a:spcBef>
+              <a:spcAft>
+                <a:spcPts val="0"/>
+              </a:spcAft>
+              <a:buNone/>
+            </a:pPr>
+            <a:r>
+              <a:rPr lang="es-419" sz="1000">
+                <a:highlight>
+                  <a:schemeClr val="lt1"/>
+                </a:highlight>
+                <a:latin typeface="Times New Roman"/>
+                <a:ea typeface="Times New Roman"/>
+                <a:cs typeface="Times New Roman"/>
+                <a:sym typeface="Times New Roman"/>
+              </a:rPr>
+              <a:t>MaxPooling 2x2</a:t>
+            </a:r>
+            <a:endParaRPr sz="1000">
+              <a:highlight>
+                <a:schemeClr val="lt1"/>
+              </a:highlight>
+              <a:latin typeface="Times New Roman"/>
+              <a:ea typeface="Times New Roman"/>
+              <a:cs typeface="Times New Roman"/>
+              <a:sym typeface="Times New Roman"/>
+            </a:endParaRPr>
+          </a:p>
+        </p:txBody>
+      </p:sp>
+      <p:sp>
+        <p:nvSpPr>
+          <p:cNvPr id="158" name="Google Shape;158;p26"/>
+          <p:cNvSpPr txBox="1"/>
+          <p:nvPr/>
+        </p:nvSpPr>
+        <p:spPr>
+          <a:xfrm rot="-5400000">
+            <a:off x="5154375" y="2266825"/>
+            <a:ext cx="1199400" cy="338700"/>
+          </a:xfrm>
+          <a:prstGeom prst="rect">
+            <a:avLst/>
+          </a:prstGeom>
+          <a:noFill/>
+          <a:ln>
+            <a:noFill/>
+          </a:ln>
+        </p:spPr>
+        <p:txBody>
+          <a:bodyPr anchorCtr="0" anchor="t" bIns="91425" lIns="91425" spcFirstLastPara="1" rIns="91425" wrap="square" tIns="91425">
+            <a:spAutoFit/>
+          </a:bodyPr>
+          <a:lstStyle/>
+          <a:p>
+            <a:pPr indent="0" lvl="0" marL="0" rtl="0" algn="l">
+              <a:spcBef>
+                <a:spcPts val="0"/>
+              </a:spcBef>
+              <a:spcAft>
+                <a:spcPts val="0"/>
+              </a:spcAft>
+              <a:buNone/>
+            </a:pPr>
+            <a:r>
+              <a:rPr lang="es-419" sz="1000">
+                <a:highlight>
+                  <a:schemeClr val="lt1"/>
+                </a:highlight>
+                <a:latin typeface="Times New Roman"/>
+                <a:ea typeface="Times New Roman"/>
+                <a:cs typeface="Times New Roman"/>
+                <a:sym typeface="Times New Roman"/>
+              </a:rPr>
+              <a:t>Conv2DTranspose</a:t>
+            </a:r>
+            <a:endParaRPr sz="1000">
+              <a:highlight>
+                <a:schemeClr val="lt1"/>
+              </a:highlight>
+              <a:latin typeface="Times New Roman"/>
+              <a:ea typeface="Times New Roman"/>
+              <a:cs typeface="Times New Roman"/>
+              <a:sym typeface="Times New Roman"/>
+            </a:endParaRPr>
+          </a:p>
+        </p:txBody>
+      </p:sp>
+      <p:sp>
+        <p:nvSpPr>
+          <p:cNvPr id="159" name="Google Shape;159;p26"/>
+          <p:cNvSpPr txBox="1"/>
+          <p:nvPr/>
+        </p:nvSpPr>
+        <p:spPr>
+          <a:xfrm>
+            <a:off x="4071575" y="2763175"/>
+            <a:ext cx="338700" cy="400200"/>
+          </a:xfrm>
+          <a:prstGeom prst="rect">
+            <a:avLst/>
+          </a:prstGeom>
+          <a:noFill/>
+          <a:ln>
+            <a:noFill/>
+          </a:ln>
+        </p:spPr>
+        <p:txBody>
+          <a:bodyPr anchorCtr="0" anchor="t" bIns="91425" lIns="91425" spcFirstLastPara="1" rIns="91425" wrap="square" tIns="91425">
+            <a:spAutoFit/>
+          </a:bodyPr>
+          <a:lstStyle/>
+          <a:p>
+            <a:pPr indent="0" lvl="0" marL="0" rtl="0" algn="l">
+              <a:spcBef>
+                <a:spcPts val="0"/>
+              </a:spcBef>
+              <a:spcAft>
+                <a:spcPts val="0"/>
+              </a:spcAft>
+              <a:buNone/>
+            </a:pPr>
+            <a:r>
+              <a:rPr lang="es-419"/>
+              <a:t>...</a:t>
+            </a:r>
+            <a:endParaRPr/>
+          </a:p>
+        </p:txBody>
+      </p:sp>
+      <p:sp>
+        <p:nvSpPr>
+          <p:cNvPr id="160" name="Google Shape;160;p26"/>
+          <p:cNvSpPr txBox="1"/>
+          <p:nvPr/>
+        </p:nvSpPr>
+        <p:spPr>
+          <a:xfrm rot="-5400000">
+            <a:off x="5978350" y="2266825"/>
+            <a:ext cx="1199400" cy="338700"/>
+          </a:xfrm>
+          <a:prstGeom prst="rect">
+            <a:avLst/>
+          </a:prstGeom>
+          <a:noFill/>
+          <a:ln>
+            <a:noFill/>
+          </a:ln>
+        </p:spPr>
+        <p:txBody>
+          <a:bodyPr anchorCtr="0" anchor="t" bIns="91425" lIns="91425" spcFirstLastPara="1" rIns="91425" wrap="square" tIns="91425">
+            <a:spAutoFit/>
+          </a:bodyPr>
+          <a:lstStyle/>
+          <a:p>
+            <a:pPr indent="0" lvl="0" marL="0" rtl="0" algn="l">
+              <a:spcBef>
+                <a:spcPts val="0"/>
+              </a:spcBef>
+              <a:spcAft>
+                <a:spcPts val="0"/>
+              </a:spcAft>
+              <a:buNone/>
+            </a:pPr>
+            <a:r>
+              <a:rPr lang="es-419" sz="1000">
+                <a:highlight>
+                  <a:schemeClr val="lt1"/>
+                </a:highlight>
+                <a:latin typeface="Times New Roman"/>
+                <a:ea typeface="Times New Roman"/>
+                <a:cs typeface="Times New Roman"/>
+                <a:sym typeface="Times New Roman"/>
+              </a:rPr>
+              <a:t>Conv2DTranspose</a:t>
+            </a:r>
+            <a:endParaRPr sz="1000">
+              <a:highlight>
+                <a:schemeClr val="lt1"/>
+              </a:highlight>
+              <a:latin typeface="Times New Roman"/>
+              <a:ea typeface="Times New Roman"/>
+              <a:cs typeface="Times New Roman"/>
+              <a:sym typeface="Times New Roman"/>
+            </a:endParaRPr>
+          </a:p>
+        </p:txBody>
+      </p:sp>
+      <p:sp>
+        <p:nvSpPr>
+          <p:cNvPr id="161" name="Google Shape;161;p26"/>
+          <p:cNvSpPr txBox="1"/>
+          <p:nvPr/>
+        </p:nvSpPr>
+        <p:spPr>
+          <a:xfrm>
+            <a:off x="4638900" y="2763175"/>
+            <a:ext cx="338700" cy="400200"/>
+          </a:xfrm>
+          <a:prstGeom prst="rect">
+            <a:avLst/>
+          </a:prstGeom>
+          <a:noFill/>
+          <a:ln>
+            <a:noFill/>
+          </a:ln>
+        </p:spPr>
+        <p:txBody>
+          <a:bodyPr anchorCtr="0" anchor="t" bIns="91425" lIns="91425" spcFirstLastPara="1" rIns="91425" wrap="square" tIns="91425">
+            <a:spAutoFit/>
+          </a:bodyPr>
+          <a:lstStyle/>
+          <a:p>
+            <a:pPr indent="0" lvl="0" marL="0" rtl="0" algn="l">
+              <a:spcBef>
+                <a:spcPts val="0"/>
+              </a:spcBef>
+              <a:spcAft>
+                <a:spcPts val="0"/>
+              </a:spcAft>
+              <a:buNone/>
+            </a:pPr>
+            <a:r>
+              <a:rPr lang="es-419"/>
+              <a:t>...</a:t>
+            </a:r>
+            <a:endParaRPr/>
+          </a:p>
+        </p:txBody>
+      </p:sp>
+      <p:sp>
+        <p:nvSpPr>
+          <p:cNvPr id="162" name="Google Shape;162;p26"/>
+          <p:cNvSpPr txBox="1"/>
+          <p:nvPr/>
+        </p:nvSpPr>
+        <p:spPr>
+          <a:xfrm>
+            <a:off x="1329838" y="4284425"/>
+            <a:ext cx="654000" cy="338700"/>
+          </a:xfrm>
+          <a:prstGeom prst="rect">
+            <a:avLst/>
+          </a:prstGeom>
+          <a:noFill/>
+          <a:ln>
+            <a:noFill/>
+          </a:ln>
+        </p:spPr>
+        <p:txBody>
+          <a:bodyPr anchorCtr="0" anchor="t" bIns="91425" lIns="91425" spcFirstLastPara="1" rIns="91425" wrap="square" tIns="91425">
+            <a:spAutoFit/>
+          </a:bodyPr>
+          <a:lstStyle/>
+          <a:p>
+            <a:pPr indent="0" lvl="0" marL="0" rtl="0" algn="l">
+              <a:spcBef>
+                <a:spcPts val="0"/>
+              </a:spcBef>
+              <a:spcAft>
+                <a:spcPts val="0"/>
+              </a:spcAft>
+              <a:buNone/>
+            </a:pPr>
+            <a:r>
+              <a:rPr lang="es-419" sz="1000">
+                <a:highlight>
+                  <a:schemeClr val="lt1"/>
+                </a:highlight>
+                <a:latin typeface="Times New Roman"/>
+                <a:ea typeface="Times New Roman"/>
+                <a:cs typeface="Times New Roman"/>
+                <a:sym typeface="Times New Roman"/>
+              </a:rPr>
+              <a:t>Conv2D</a:t>
+            </a:r>
+            <a:endParaRPr sz="1000">
+              <a:highlight>
+                <a:schemeClr val="lt1"/>
+              </a:highlight>
+              <a:latin typeface="Times New Roman"/>
+              <a:ea typeface="Times New Roman"/>
+              <a:cs typeface="Times New Roman"/>
+              <a:sym typeface="Times New Roman"/>
+            </a:endParaRPr>
+          </a:p>
+        </p:txBody>
+      </p:sp>
+      <p:sp>
+        <p:nvSpPr>
+          <p:cNvPr id="163" name="Google Shape;163;p26"/>
+          <p:cNvSpPr txBox="1"/>
+          <p:nvPr/>
+        </p:nvSpPr>
+        <p:spPr>
+          <a:xfrm>
+            <a:off x="824759" y="4284275"/>
+            <a:ext cx="497100" cy="338700"/>
+          </a:xfrm>
+          <a:prstGeom prst="rect">
+            <a:avLst/>
+          </a:prstGeom>
+          <a:noFill/>
+          <a:ln>
+            <a:noFill/>
+          </a:ln>
+        </p:spPr>
+        <p:txBody>
+          <a:bodyPr anchorCtr="0" anchor="t" bIns="91425" lIns="91425" spcFirstLastPara="1" rIns="91425" wrap="square" tIns="91425">
+            <a:spAutoFit/>
+          </a:bodyPr>
+          <a:lstStyle/>
+          <a:p>
+            <a:pPr indent="0" lvl="0" marL="0" rtl="0" algn="l">
+              <a:spcBef>
+                <a:spcPts val="0"/>
+              </a:spcBef>
+              <a:spcAft>
+                <a:spcPts val="0"/>
+              </a:spcAft>
+              <a:buNone/>
+            </a:pPr>
+            <a:r>
+              <a:rPr lang="es-419" sz="1000">
+                <a:highlight>
+                  <a:schemeClr val="lt1"/>
+                </a:highlight>
+                <a:latin typeface="Times New Roman"/>
+                <a:ea typeface="Times New Roman"/>
+                <a:cs typeface="Times New Roman"/>
+                <a:sym typeface="Times New Roman"/>
+              </a:rPr>
+              <a:t>Input</a:t>
+            </a:r>
+            <a:endParaRPr sz="1000">
+              <a:highlight>
+                <a:schemeClr val="lt1"/>
+              </a:highlight>
+              <a:latin typeface="Times New Roman"/>
+              <a:ea typeface="Times New Roman"/>
+              <a:cs typeface="Times New Roman"/>
+              <a:sym typeface="Times New Roman"/>
+            </a:endParaRPr>
+          </a:p>
+        </p:txBody>
+      </p:sp>
+      <p:cxnSp>
+        <p:nvCxnSpPr>
+          <p:cNvPr id="164" name="Google Shape;164;p26"/>
+          <p:cNvCxnSpPr>
+            <a:stCxn id="163" idx="3"/>
+            <a:endCxn id="162" idx="1"/>
+          </p:cNvCxnSpPr>
+          <p:nvPr/>
+        </p:nvCxnSpPr>
+        <p:spPr>
+          <a:xfrm>
+            <a:off x="1321860" y="4453625"/>
+            <a:ext cx="8100" cy="300"/>
+          </a:xfrm>
+          <a:prstGeom prst="straightConnector1">
+            <a:avLst/>
+          </a:prstGeom>
+          <a:noFill/>
+          <a:ln cap="flat" cmpd="sng" w="9525">
+            <a:solidFill>
+              <a:schemeClr val="dk2"/>
+            </a:solidFill>
+            <a:prstDash val="solid"/>
+            <a:round/>
+            <a:headEnd len="med" w="med" type="none"/>
+            <a:tailEnd len="med" w="med" type="triangle"/>
+          </a:ln>
+        </p:spPr>
+      </p:cxnSp>
+      <p:sp>
+        <p:nvSpPr>
+          <p:cNvPr id="165" name="Google Shape;165;p26"/>
+          <p:cNvSpPr txBox="1"/>
+          <p:nvPr/>
+        </p:nvSpPr>
+        <p:spPr>
+          <a:xfrm>
+            <a:off x="1992875" y="4284425"/>
+            <a:ext cx="593100" cy="338700"/>
+          </a:xfrm>
+          <a:prstGeom prst="rect">
+            <a:avLst/>
+          </a:prstGeom>
+          <a:noFill/>
+          <a:ln>
+            <a:noFill/>
+          </a:ln>
+        </p:spPr>
+        <p:txBody>
+          <a:bodyPr anchorCtr="0" anchor="t" bIns="91425" lIns="91425" spcFirstLastPara="1" rIns="91425" wrap="square" tIns="91425">
+            <a:spAutoFit/>
+          </a:bodyPr>
+          <a:lstStyle/>
+          <a:p>
+            <a:pPr indent="0" lvl="0" marL="0" rtl="0" algn="l">
+              <a:spcBef>
+                <a:spcPts val="0"/>
+              </a:spcBef>
+              <a:spcAft>
+                <a:spcPts val="0"/>
+              </a:spcAft>
+              <a:buNone/>
+            </a:pPr>
+            <a:r>
+              <a:rPr lang="es-419" sz="1000">
+                <a:highlight>
+                  <a:schemeClr val="lt1"/>
+                </a:highlight>
+                <a:latin typeface="Times New Roman"/>
+                <a:ea typeface="Times New Roman"/>
+                <a:cs typeface="Times New Roman"/>
+                <a:sym typeface="Times New Roman"/>
+              </a:rPr>
+              <a:t>MP 2x2</a:t>
+            </a:r>
+            <a:endParaRPr sz="1000">
+              <a:highlight>
+                <a:schemeClr val="lt1"/>
+              </a:highlight>
+              <a:latin typeface="Times New Roman"/>
+              <a:ea typeface="Times New Roman"/>
+              <a:cs typeface="Times New Roman"/>
+              <a:sym typeface="Times New Roman"/>
+            </a:endParaRPr>
+          </a:p>
+        </p:txBody>
+      </p:sp>
+      <p:sp>
+        <p:nvSpPr>
+          <p:cNvPr id="166" name="Google Shape;166;p26"/>
+          <p:cNvSpPr txBox="1"/>
+          <p:nvPr/>
+        </p:nvSpPr>
+        <p:spPr>
+          <a:xfrm>
+            <a:off x="2586038" y="4284275"/>
+            <a:ext cx="654000" cy="338700"/>
+          </a:xfrm>
+          <a:prstGeom prst="rect">
+            <a:avLst/>
+          </a:prstGeom>
+          <a:noFill/>
+          <a:ln>
+            <a:noFill/>
+          </a:ln>
+        </p:spPr>
+        <p:txBody>
+          <a:bodyPr anchorCtr="0" anchor="t" bIns="91425" lIns="91425" spcFirstLastPara="1" rIns="91425" wrap="square" tIns="91425">
+            <a:spAutoFit/>
+          </a:bodyPr>
+          <a:lstStyle/>
+          <a:p>
+            <a:pPr indent="0" lvl="0" marL="0" rtl="0" algn="l">
+              <a:spcBef>
+                <a:spcPts val="0"/>
+              </a:spcBef>
+              <a:spcAft>
+                <a:spcPts val="0"/>
+              </a:spcAft>
+              <a:buNone/>
+            </a:pPr>
+            <a:r>
+              <a:rPr lang="es-419" sz="1000">
+                <a:highlight>
+                  <a:schemeClr val="lt1"/>
+                </a:highlight>
+                <a:latin typeface="Times New Roman"/>
+                <a:ea typeface="Times New Roman"/>
+                <a:cs typeface="Times New Roman"/>
+                <a:sym typeface="Times New Roman"/>
+              </a:rPr>
+              <a:t>Conv2D</a:t>
+            </a:r>
+            <a:endParaRPr sz="1000">
+              <a:highlight>
+                <a:schemeClr val="lt1"/>
+              </a:highlight>
+              <a:latin typeface="Times New Roman"/>
+              <a:ea typeface="Times New Roman"/>
+              <a:cs typeface="Times New Roman"/>
+              <a:sym typeface="Times New Roman"/>
+            </a:endParaRPr>
+          </a:p>
+        </p:txBody>
+      </p:sp>
+      <p:sp>
+        <p:nvSpPr>
+          <p:cNvPr id="167" name="Google Shape;167;p26"/>
+          <p:cNvSpPr txBox="1"/>
+          <p:nvPr/>
+        </p:nvSpPr>
+        <p:spPr>
+          <a:xfrm>
+            <a:off x="3240088" y="4284425"/>
+            <a:ext cx="593100" cy="338700"/>
+          </a:xfrm>
+          <a:prstGeom prst="rect">
+            <a:avLst/>
+          </a:prstGeom>
+          <a:noFill/>
+          <a:ln>
+            <a:noFill/>
+          </a:ln>
+        </p:spPr>
+        <p:txBody>
+          <a:bodyPr anchorCtr="0" anchor="t" bIns="91425" lIns="91425" spcFirstLastPara="1" rIns="91425" wrap="square" tIns="91425">
+            <a:spAutoFit/>
+          </a:bodyPr>
+          <a:lstStyle/>
+          <a:p>
+            <a:pPr indent="0" lvl="0" marL="0" rtl="0" algn="l">
+              <a:spcBef>
+                <a:spcPts val="0"/>
+              </a:spcBef>
+              <a:spcAft>
+                <a:spcPts val="0"/>
+              </a:spcAft>
+              <a:buNone/>
+            </a:pPr>
+            <a:r>
+              <a:rPr lang="es-419" sz="1000">
+                <a:highlight>
+                  <a:schemeClr val="lt1"/>
+                </a:highlight>
+                <a:latin typeface="Times New Roman"/>
+                <a:ea typeface="Times New Roman"/>
+                <a:cs typeface="Times New Roman"/>
+                <a:sym typeface="Times New Roman"/>
+              </a:rPr>
+              <a:t>MP 2x2</a:t>
+            </a:r>
+            <a:endParaRPr sz="1000">
+              <a:highlight>
+                <a:schemeClr val="lt1"/>
+              </a:highlight>
+              <a:latin typeface="Times New Roman"/>
+              <a:ea typeface="Times New Roman"/>
+              <a:cs typeface="Times New Roman"/>
+              <a:sym typeface="Times New Roman"/>
+            </a:endParaRPr>
+          </a:p>
+        </p:txBody>
+      </p:sp>
+      <p:cxnSp>
+        <p:nvCxnSpPr>
+          <p:cNvPr id="168" name="Google Shape;168;p26"/>
+          <p:cNvCxnSpPr>
+            <a:stCxn id="162" idx="3"/>
+            <a:endCxn id="165" idx="1"/>
+          </p:cNvCxnSpPr>
+          <p:nvPr/>
+        </p:nvCxnSpPr>
+        <p:spPr>
+          <a:xfrm>
+            <a:off x="1983838" y="4453775"/>
+            <a:ext cx="9000" cy="0"/>
+          </a:xfrm>
+          <a:prstGeom prst="straightConnector1">
+            <a:avLst/>
+          </a:prstGeom>
+          <a:noFill/>
+          <a:ln cap="flat" cmpd="sng" w="9525">
+            <a:solidFill>
+              <a:schemeClr val="dk2"/>
+            </a:solidFill>
+            <a:prstDash val="solid"/>
+            <a:round/>
+            <a:headEnd len="med" w="med" type="none"/>
+            <a:tailEnd len="med" w="med" type="triangle"/>
+          </a:ln>
+        </p:spPr>
+      </p:cxnSp>
+      <p:cxnSp>
+        <p:nvCxnSpPr>
+          <p:cNvPr id="169" name="Google Shape;169;p26"/>
+          <p:cNvCxnSpPr>
+            <a:stCxn id="165" idx="3"/>
+            <a:endCxn id="166" idx="1"/>
+          </p:cNvCxnSpPr>
+          <p:nvPr/>
+        </p:nvCxnSpPr>
+        <p:spPr>
+          <a:xfrm>
+            <a:off x="2585975" y="4453775"/>
+            <a:ext cx="0" cy="0"/>
+          </a:xfrm>
+          <a:prstGeom prst="straightConnector1">
+            <a:avLst/>
+          </a:prstGeom>
+          <a:noFill/>
+          <a:ln cap="flat" cmpd="sng" w="9525">
+            <a:solidFill>
+              <a:schemeClr val="dk2"/>
+            </a:solidFill>
+            <a:prstDash val="solid"/>
+            <a:round/>
+            <a:headEnd len="med" w="med" type="none"/>
+            <a:tailEnd len="med" w="med" type="triangle"/>
+          </a:ln>
+        </p:spPr>
+      </p:cxnSp>
+      <p:cxnSp>
+        <p:nvCxnSpPr>
+          <p:cNvPr id="170" name="Google Shape;170;p26"/>
+          <p:cNvCxnSpPr>
+            <a:stCxn id="166" idx="3"/>
+            <a:endCxn id="167" idx="1"/>
+          </p:cNvCxnSpPr>
+          <p:nvPr/>
+        </p:nvCxnSpPr>
+        <p:spPr>
+          <a:xfrm>
+            <a:off x="3240038" y="4453625"/>
+            <a:ext cx="0" cy="300"/>
+          </a:xfrm>
+          <a:prstGeom prst="straightConnector1">
+            <a:avLst/>
+          </a:prstGeom>
+          <a:noFill/>
+          <a:ln cap="flat" cmpd="sng" w="9525">
+            <a:solidFill>
+              <a:schemeClr val="dk2"/>
+            </a:solidFill>
+            <a:prstDash val="solid"/>
+            <a:round/>
+            <a:headEnd len="med" w="med" type="none"/>
+            <a:tailEnd len="med" w="med" type="triangle"/>
+          </a:ln>
+        </p:spPr>
+      </p:cxnSp>
+      <p:sp>
+        <p:nvSpPr>
+          <p:cNvPr id="171" name="Google Shape;171;p26"/>
+          <p:cNvSpPr txBox="1"/>
+          <p:nvPr/>
+        </p:nvSpPr>
+        <p:spPr>
+          <a:xfrm rot="-1395">
+            <a:off x="4459837" y="4284493"/>
+            <a:ext cx="739500" cy="338700"/>
+          </a:xfrm>
+          <a:prstGeom prst="rect">
+            <a:avLst/>
+          </a:prstGeom>
+          <a:noFill/>
+          <a:ln>
+            <a:noFill/>
+          </a:ln>
+        </p:spPr>
+        <p:txBody>
+          <a:bodyPr anchorCtr="0" anchor="t" bIns="91425" lIns="91425" spcFirstLastPara="1" rIns="91425" wrap="square" tIns="91425">
+            <a:spAutoFit/>
+          </a:bodyPr>
+          <a:lstStyle/>
+          <a:p>
+            <a:pPr indent="0" lvl="0" marL="0" rtl="0" algn="l">
+              <a:spcBef>
+                <a:spcPts val="0"/>
+              </a:spcBef>
+              <a:spcAft>
+                <a:spcPts val="0"/>
+              </a:spcAft>
+              <a:buNone/>
+            </a:pPr>
+            <a:r>
+              <a:rPr lang="es-419" sz="1000">
+                <a:highlight>
+                  <a:schemeClr val="lt1"/>
+                </a:highlight>
+                <a:latin typeface="Times New Roman"/>
+                <a:ea typeface="Times New Roman"/>
+                <a:cs typeface="Times New Roman"/>
+                <a:sym typeface="Times New Roman"/>
+              </a:rPr>
+              <a:t>Conv2DT</a:t>
+            </a:r>
+            <a:endParaRPr sz="1000">
+              <a:highlight>
+                <a:schemeClr val="lt1"/>
+              </a:highlight>
+              <a:latin typeface="Times New Roman"/>
+              <a:ea typeface="Times New Roman"/>
+              <a:cs typeface="Times New Roman"/>
+              <a:sym typeface="Times New Roman"/>
+            </a:endParaRPr>
+          </a:p>
+        </p:txBody>
+      </p:sp>
+      <p:sp>
+        <p:nvSpPr>
+          <p:cNvPr id="172" name="Google Shape;172;p26"/>
+          <p:cNvSpPr txBox="1"/>
+          <p:nvPr/>
+        </p:nvSpPr>
+        <p:spPr>
+          <a:xfrm rot="-1395">
+            <a:off x="5178787" y="4284268"/>
+            <a:ext cx="739500" cy="338700"/>
+          </a:xfrm>
+          <a:prstGeom prst="rect">
+            <a:avLst/>
+          </a:prstGeom>
+          <a:noFill/>
+          <a:ln>
+            <a:noFill/>
+          </a:ln>
+        </p:spPr>
+        <p:txBody>
+          <a:bodyPr anchorCtr="0" anchor="t" bIns="91425" lIns="91425" spcFirstLastPara="1" rIns="91425" wrap="square" tIns="91425">
+            <a:spAutoFit/>
+          </a:bodyPr>
+          <a:lstStyle/>
+          <a:p>
+            <a:pPr indent="0" lvl="0" marL="0" rtl="0" algn="l">
+              <a:spcBef>
+                <a:spcPts val="0"/>
+              </a:spcBef>
+              <a:spcAft>
+                <a:spcPts val="0"/>
+              </a:spcAft>
+              <a:buNone/>
+            </a:pPr>
+            <a:r>
+              <a:rPr lang="es-419" sz="1000">
+                <a:highlight>
+                  <a:schemeClr val="lt1"/>
+                </a:highlight>
+                <a:latin typeface="Times New Roman"/>
+                <a:ea typeface="Times New Roman"/>
+                <a:cs typeface="Times New Roman"/>
+                <a:sym typeface="Times New Roman"/>
+              </a:rPr>
+              <a:t>Conv2DT</a:t>
+            </a:r>
+            <a:endParaRPr sz="1000">
+              <a:highlight>
+                <a:schemeClr val="lt1"/>
+              </a:highlight>
+              <a:latin typeface="Times New Roman"/>
+              <a:ea typeface="Times New Roman"/>
+              <a:cs typeface="Times New Roman"/>
+              <a:sym typeface="Times New Roman"/>
+            </a:endParaRPr>
+          </a:p>
+        </p:txBody>
+      </p:sp>
+      <p:sp>
+        <p:nvSpPr>
+          <p:cNvPr id="173" name="Google Shape;173;p26"/>
+          <p:cNvSpPr txBox="1"/>
+          <p:nvPr/>
+        </p:nvSpPr>
+        <p:spPr>
+          <a:xfrm rot="-1395">
+            <a:off x="5918287" y="4284268"/>
+            <a:ext cx="739500" cy="338700"/>
+          </a:xfrm>
+          <a:prstGeom prst="rect">
+            <a:avLst/>
+          </a:prstGeom>
+          <a:noFill/>
+          <a:ln>
+            <a:noFill/>
+          </a:ln>
+        </p:spPr>
+        <p:txBody>
+          <a:bodyPr anchorCtr="0" anchor="t" bIns="91425" lIns="91425" spcFirstLastPara="1" rIns="91425" wrap="square" tIns="91425">
+            <a:spAutoFit/>
+          </a:bodyPr>
+          <a:lstStyle/>
+          <a:p>
+            <a:pPr indent="0" lvl="0" marL="0" rtl="0" algn="l">
+              <a:spcBef>
+                <a:spcPts val="0"/>
+              </a:spcBef>
+              <a:spcAft>
+                <a:spcPts val="0"/>
+              </a:spcAft>
+              <a:buNone/>
+            </a:pPr>
+            <a:r>
+              <a:rPr lang="es-419" sz="1000">
+                <a:highlight>
+                  <a:schemeClr val="lt1"/>
+                </a:highlight>
+                <a:latin typeface="Times New Roman"/>
+                <a:ea typeface="Times New Roman"/>
+                <a:cs typeface="Times New Roman"/>
+                <a:sym typeface="Times New Roman"/>
+              </a:rPr>
+              <a:t>Conv2DT</a:t>
+            </a:r>
+            <a:endParaRPr sz="1000">
+              <a:highlight>
+                <a:schemeClr val="lt1"/>
+              </a:highlight>
+              <a:latin typeface="Times New Roman"/>
+              <a:ea typeface="Times New Roman"/>
+              <a:cs typeface="Times New Roman"/>
+              <a:sym typeface="Times New Roman"/>
+            </a:endParaRPr>
+          </a:p>
+        </p:txBody>
+      </p:sp>
+      <p:sp>
+        <p:nvSpPr>
+          <p:cNvPr id="174" name="Google Shape;174;p26"/>
+          <p:cNvSpPr txBox="1"/>
+          <p:nvPr/>
+        </p:nvSpPr>
+        <p:spPr>
+          <a:xfrm rot="-1395">
+            <a:off x="6657787" y="4284268"/>
+            <a:ext cx="739500" cy="338700"/>
+          </a:xfrm>
+          <a:prstGeom prst="rect">
+            <a:avLst/>
+          </a:prstGeom>
+          <a:noFill/>
+          <a:ln>
+            <a:noFill/>
+          </a:ln>
+        </p:spPr>
+        <p:txBody>
+          <a:bodyPr anchorCtr="0" anchor="t" bIns="91425" lIns="91425" spcFirstLastPara="1" rIns="91425" wrap="square" tIns="91425">
+            <a:spAutoFit/>
+          </a:bodyPr>
+          <a:lstStyle/>
+          <a:p>
+            <a:pPr indent="0" lvl="0" marL="0" rtl="0" algn="l">
+              <a:spcBef>
+                <a:spcPts val="0"/>
+              </a:spcBef>
+              <a:spcAft>
+                <a:spcPts val="0"/>
+              </a:spcAft>
+              <a:buNone/>
+            </a:pPr>
+            <a:r>
+              <a:rPr lang="es-419" sz="1000">
+                <a:highlight>
+                  <a:schemeClr val="lt1"/>
+                </a:highlight>
+                <a:latin typeface="Times New Roman"/>
+                <a:ea typeface="Times New Roman"/>
+                <a:cs typeface="Times New Roman"/>
+                <a:sym typeface="Times New Roman"/>
+              </a:rPr>
+              <a:t>Conv2DT</a:t>
+            </a:r>
+            <a:endParaRPr sz="1000">
+              <a:highlight>
+                <a:schemeClr val="lt1"/>
+              </a:highlight>
+              <a:latin typeface="Times New Roman"/>
+              <a:ea typeface="Times New Roman"/>
+              <a:cs typeface="Times New Roman"/>
+              <a:sym typeface="Times New Roman"/>
+            </a:endParaRPr>
+          </a:p>
+        </p:txBody>
+      </p:sp>
+      <p:sp>
+        <p:nvSpPr>
+          <p:cNvPr id="175" name="Google Shape;175;p26"/>
+          <p:cNvSpPr txBox="1"/>
+          <p:nvPr/>
+        </p:nvSpPr>
+        <p:spPr>
+          <a:xfrm>
+            <a:off x="7397275" y="4284275"/>
+            <a:ext cx="654000" cy="338700"/>
+          </a:xfrm>
+          <a:prstGeom prst="rect">
+            <a:avLst/>
+          </a:prstGeom>
+          <a:noFill/>
+          <a:ln>
+            <a:noFill/>
+          </a:ln>
+        </p:spPr>
+        <p:txBody>
+          <a:bodyPr anchorCtr="0" anchor="t" bIns="91425" lIns="91425" spcFirstLastPara="1" rIns="91425" wrap="square" tIns="91425">
+            <a:spAutoFit/>
+          </a:bodyPr>
+          <a:lstStyle/>
+          <a:p>
+            <a:pPr indent="0" lvl="0" marL="0" rtl="0" algn="l">
+              <a:spcBef>
+                <a:spcPts val="0"/>
+              </a:spcBef>
+              <a:spcAft>
+                <a:spcPts val="0"/>
+              </a:spcAft>
+              <a:buNone/>
+            </a:pPr>
+            <a:r>
+              <a:rPr lang="es-419" sz="1000">
+                <a:highlight>
+                  <a:schemeClr val="lt1"/>
+                </a:highlight>
+                <a:latin typeface="Times New Roman"/>
+                <a:ea typeface="Times New Roman"/>
+                <a:cs typeface="Times New Roman"/>
+                <a:sym typeface="Times New Roman"/>
+              </a:rPr>
+              <a:t>Conv2D</a:t>
+            </a:r>
+            <a:endParaRPr sz="1000">
+              <a:highlight>
+                <a:schemeClr val="lt1"/>
+              </a:highlight>
+              <a:latin typeface="Times New Roman"/>
+              <a:ea typeface="Times New Roman"/>
+              <a:cs typeface="Times New Roman"/>
+              <a:sym typeface="Times New Roman"/>
+            </a:endParaRPr>
+          </a:p>
+        </p:txBody>
+      </p:sp>
+      <p:cxnSp>
+        <p:nvCxnSpPr>
+          <p:cNvPr id="176" name="Google Shape;176;p26"/>
+          <p:cNvCxnSpPr>
+            <a:stCxn id="167" idx="3"/>
+            <a:endCxn id="171" idx="1"/>
+          </p:cNvCxnSpPr>
+          <p:nvPr/>
+        </p:nvCxnSpPr>
+        <p:spPr>
+          <a:xfrm>
+            <a:off x="3833188" y="4453775"/>
+            <a:ext cx="626700" cy="300"/>
+          </a:xfrm>
+          <a:prstGeom prst="straightConnector1">
+            <a:avLst/>
+          </a:prstGeom>
+          <a:noFill/>
+          <a:ln cap="flat" cmpd="sng" w="9525">
+            <a:solidFill>
+              <a:schemeClr val="dk2"/>
+            </a:solidFill>
+            <a:prstDash val="solid"/>
+            <a:round/>
+            <a:headEnd len="med" w="med" type="none"/>
+            <a:tailEnd len="med" w="med" type="triangle"/>
+          </a:ln>
+        </p:spPr>
+      </p:cxnSp>
+      <p:cxnSp>
+        <p:nvCxnSpPr>
+          <p:cNvPr id="177" name="Google Shape;177;p26"/>
+          <p:cNvCxnSpPr>
+            <a:stCxn id="171" idx="3"/>
+            <a:endCxn id="172" idx="1"/>
+          </p:cNvCxnSpPr>
+          <p:nvPr/>
+        </p:nvCxnSpPr>
+        <p:spPr>
+          <a:xfrm rot="10800000">
+            <a:off x="5178938" y="4453693"/>
+            <a:ext cx="20400" cy="0"/>
+          </a:xfrm>
+          <a:prstGeom prst="straightConnector1">
+            <a:avLst/>
+          </a:prstGeom>
+          <a:noFill/>
+          <a:ln cap="flat" cmpd="sng" w="9525">
+            <a:solidFill>
+              <a:schemeClr val="dk2"/>
+            </a:solidFill>
+            <a:prstDash val="solid"/>
+            <a:round/>
+            <a:headEnd len="med" w="med" type="none"/>
+            <a:tailEnd len="med" w="med" type="triangle"/>
+          </a:ln>
+        </p:spPr>
+      </p:cxnSp>
+      <p:cxnSp>
+        <p:nvCxnSpPr>
+          <p:cNvPr id="178" name="Google Shape;178;p26"/>
+          <p:cNvCxnSpPr>
+            <a:stCxn id="172" idx="3"/>
+            <a:endCxn id="173" idx="1"/>
+          </p:cNvCxnSpPr>
+          <p:nvPr/>
+        </p:nvCxnSpPr>
+        <p:spPr>
+          <a:xfrm>
+            <a:off x="5918288" y="4453468"/>
+            <a:ext cx="0" cy="300"/>
+          </a:xfrm>
+          <a:prstGeom prst="straightConnector1">
+            <a:avLst/>
+          </a:prstGeom>
+          <a:noFill/>
+          <a:ln cap="flat" cmpd="sng" w="9525">
+            <a:solidFill>
+              <a:schemeClr val="dk2"/>
+            </a:solidFill>
+            <a:prstDash val="solid"/>
+            <a:round/>
+            <a:headEnd len="med" w="med" type="none"/>
+            <a:tailEnd len="med" w="med" type="triangle"/>
+          </a:ln>
+        </p:spPr>
+      </p:cxnSp>
+      <p:cxnSp>
+        <p:nvCxnSpPr>
+          <p:cNvPr id="179" name="Google Shape;179;p26"/>
+          <p:cNvCxnSpPr>
+            <a:stCxn id="173" idx="3"/>
+            <a:endCxn id="174" idx="1"/>
+          </p:cNvCxnSpPr>
+          <p:nvPr/>
+        </p:nvCxnSpPr>
+        <p:spPr>
+          <a:xfrm>
+            <a:off x="6657788" y="4453468"/>
+            <a:ext cx="0" cy="300"/>
+          </a:xfrm>
+          <a:prstGeom prst="straightConnector1">
+            <a:avLst/>
+          </a:prstGeom>
+          <a:noFill/>
+          <a:ln cap="flat" cmpd="sng" w="9525">
+            <a:solidFill>
+              <a:schemeClr val="dk2"/>
+            </a:solidFill>
+            <a:prstDash val="solid"/>
+            <a:round/>
+            <a:headEnd len="med" w="med" type="none"/>
+            <a:tailEnd len="med" w="med" type="triangle"/>
+          </a:ln>
+        </p:spPr>
+      </p:cxnSp>
+      <p:cxnSp>
+        <p:nvCxnSpPr>
+          <p:cNvPr id="180" name="Google Shape;180;p26"/>
+          <p:cNvCxnSpPr>
+            <a:stCxn id="174" idx="3"/>
+            <a:endCxn id="175" idx="1"/>
+          </p:cNvCxnSpPr>
+          <p:nvPr/>
+        </p:nvCxnSpPr>
+        <p:spPr>
+          <a:xfrm>
+            <a:off x="7397288" y="4453468"/>
+            <a:ext cx="0" cy="300"/>
+          </a:xfrm>
+          <a:prstGeom prst="straightConnector1">
+            <a:avLst/>
+          </a:prstGeom>
+          <a:noFill/>
+          <a:ln cap="flat" cmpd="sng" w="9525">
+            <a:solidFill>
+              <a:schemeClr val="dk2"/>
+            </a:solidFill>
+            <a:prstDash val="solid"/>
+            <a:round/>
+            <a:headEnd len="med" w="med" type="none"/>
+            <a:tailEnd len="med" w="med" type="triangle"/>
+          </a:ln>
+        </p:spPr>
+      </p:cxnSp>
+      <p:sp>
+        <p:nvSpPr>
+          <p:cNvPr id="181" name="Google Shape;181;p26"/>
+          <p:cNvSpPr txBox="1"/>
+          <p:nvPr/>
+        </p:nvSpPr>
+        <p:spPr>
+          <a:xfrm>
+            <a:off x="8051275" y="4284575"/>
+            <a:ext cx="654000" cy="338700"/>
+          </a:xfrm>
+          <a:prstGeom prst="rect">
+            <a:avLst/>
+          </a:prstGeom>
+          <a:noFill/>
+          <a:ln>
+            <a:noFill/>
+          </a:ln>
+        </p:spPr>
+        <p:txBody>
+          <a:bodyPr anchorCtr="0" anchor="t" bIns="91425" lIns="91425" spcFirstLastPara="1" rIns="91425" wrap="square" tIns="91425">
+            <a:spAutoFit/>
+          </a:bodyPr>
+          <a:lstStyle/>
+          <a:p>
+            <a:pPr indent="0" lvl="0" marL="0" rtl="0" algn="l">
+              <a:spcBef>
+                <a:spcPts val="0"/>
+              </a:spcBef>
+              <a:spcAft>
+                <a:spcPts val="0"/>
+              </a:spcAft>
+              <a:buNone/>
+            </a:pPr>
+            <a:r>
+              <a:rPr lang="es-419" sz="1000">
+                <a:highlight>
+                  <a:schemeClr val="lt1"/>
+                </a:highlight>
+                <a:latin typeface="Times New Roman"/>
+                <a:ea typeface="Times New Roman"/>
+                <a:cs typeface="Times New Roman"/>
+                <a:sym typeface="Times New Roman"/>
+              </a:rPr>
+              <a:t>Output</a:t>
+            </a:r>
+            <a:endParaRPr sz="1000">
+              <a:highlight>
+                <a:schemeClr val="lt1"/>
+              </a:highlight>
+              <a:latin typeface="Times New Roman"/>
+              <a:ea typeface="Times New Roman"/>
+              <a:cs typeface="Times New Roman"/>
+              <a:sym typeface="Times New Roman"/>
+            </a:endParaRPr>
+          </a:p>
+        </p:txBody>
+      </p:sp>
+      <p:cxnSp>
+        <p:nvCxnSpPr>
+          <p:cNvPr id="182" name="Google Shape;182;p26"/>
+          <p:cNvCxnSpPr>
+            <a:stCxn id="175" idx="3"/>
+            <a:endCxn id="181" idx="1"/>
+          </p:cNvCxnSpPr>
+          <p:nvPr/>
+        </p:nvCxnSpPr>
+        <p:spPr>
+          <a:xfrm>
+            <a:off x="8051275" y="4453625"/>
+            <a:ext cx="0" cy="300"/>
+          </a:xfrm>
+          <a:prstGeom prst="straightConnector1">
+            <a:avLst/>
+          </a:prstGeom>
+          <a:noFill/>
+          <a:ln cap="flat" cmpd="sng" w="9525">
+            <a:solidFill>
+              <a:schemeClr val="dk2"/>
+            </a:solidFill>
+            <a:prstDash val="solid"/>
+            <a:round/>
+            <a:headEnd len="med" w="med" type="none"/>
+            <a:tailEnd len="med" w="med" type="triangle"/>
+          </a:ln>
+        </p:spPr>
+      </p:cxnSp>
     </p:spTree>
   </p:cSld>
   <p:clrMapOvr>
@@ -6940,120 +8852,9 @@
           <a:chExt cx="0" cy="0"/>
         </a:xfrm>
       </p:grpSpPr>
-      <p:sp>
-        <p:nvSpPr>
-          <p:cNvPr id="60" name="Google Shape;60;p14"/>
-          <p:cNvSpPr txBox="1"/>
-          <p:nvPr>
-            <p:ph type="title"/>
-          </p:nvPr>
-        </p:nvSpPr>
-        <p:spPr>
-          <a:xfrm>
-            <a:off x="311700" y="445025"/>
-            <a:ext cx="8520600" cy="572700"/>
-          </a:xfrm>
-          <a:prstGeom prst="rect">
-            <a:avLst/>
-          </a:prstGeom>
-        </p:spPr>
-        <p:txBody>
-          <a:bodyPr anchorCtr="0" anchor="t" bIns="91425" lIns="91425" spcFirstLastPara="1" rIns="91425" wrap="square" tIns="91425">
-            <a:normAutofit fontScale="90000"/>
-          </a:bodyPr>
-          <a:lstStyle/>
-          <a:p>
-            <a:pPr indent="0" lvl="0" marL="0" rtl="0" algn="l">
-              <a:spcBef>
-                <a:spcPts val="0"/>
-              </a:spcBef>
-              <a:spcAft>
-                <a:spcPts val="0"/>
-              </a:spcAft>
-              <a:buNone/>
-            </a:pPr>
-            <a:r>
-              <a:rPr b="1" lang="es-419"/>
-              <a:t>Objetivo</a:t>
-            </a:r>
-            <a:endParaRPr b="1"/>
-          </a:p>
-        </p:txBody>
-      </p:sp>
-      <p:sp>
-        <p:nvSpPr>
-          <p:cNvPr id="61" name="Google Shape;61;p14"/>
-          <p:cNvSpPr txBox="1"/>
-          <p:nvPr>
-            <p:ph idx="1" type="body"/>
-          </p:nvPr>
-        </p:nvSpPr>
-        <p:spPr>
-          <a:xfrm>
-            <a:off x="311700" y="1152475"/>
-            <a:ext cx="8520600" cy="3416400"/>
-          </a:xfrm>
-          <a:prstGeom prst="rect">
-            <a:avLst/>
-          </a:prstGeom>
-        </p:spPr>
-        <p:txBody>
-          <a:bodyPr anchorCtr="0" anchor="t" bIns="91425" lIns="91425" spcFirstLastPara="1" rIns="91425" wrap="square" tIns="91425">
-            <a:normAutofit/>
-          </a:bodyPr>
-          <a:lstStyle/>
-          <a:p>
-            <a:pPr indent="0" lvl="0" marL="457200" rtl="0" algn="l">
-              <a:spcBef>
-                <a:spcPts val="0"/>
-              </a:spcBef>
-              <a:spcAft>
-                <a:spcPts val="0"/>
-              </a:spcAft>
-              <a:buNone/>
-            </a:pPr>
-            <a:r>
-              <a:rPr lang="es-419"/>
-              <a:t>Estudiar el comportamiento de distintos algoritmos de ML en la tarea de predecir el movimiento relativo del S&amp;P500, </a:t>
-            </a:r>
-            <a:r>
-              <a:rPr lang="es-419"/>
-              <a:t>tratándolo</a:t>
-            </a:r>
-            <a:r>
-              <a:rPr lang="es-419"/>
-              <a:t> como un problema </a:t>
-            </a:r>
-            <a:r>
-              <a:rPr lang="es-419"/>
-              <a:t>autorregresivo</a:t>
-            </a:r>
-            <a:r>
-              <a:rPr lang="es-419"/>
-              <a:t>.</a:t>
-            </a:r>
-            <a:endParaRPr/>
-          </a:p>
-          <a:p>
-            <a:pPr indent="0" lvl="0" marL="0" rtl="0" algn="l">
-              <a:spcBef>
-                <a:spcPts val="1200"/>
-              </a:spcBef>
-              <a:spcAft>
-                <a:spcPts val="1200"/>
-              </a:spcAft>
-              <a:buNone/>
-            </a:pPr>
-            <a:r>
-              <a:t/>
-            </a:r>
-            <a:endParaRPr/>
-          </a:p>
-        </p:txBody>
-      </p:sp>
       <p:pic>
         <p:nvPicPr>
-          <p:cNvPr id="62" name="Google Shape;62;p14"/>
+          <p:cNvPr id="60" name="Google Shape;60;p14"/>
           <p:cNvPicPr preferRelativeResize="0"/>
           <p:nvPr/>
         </p:nvPicPr>
@@ -7067,8 +8868,8 @@
         </p:blipFill>
         <p:spPr>
           <a:xfrm>
-            <a:off x="5022926" y="2301225"/>
-            <a:ext cx="3253721" cy="2267651"/>
+            <a:off x="0" y="0"/>
+            <a:ext cx="9144000" cy="5143500"/>
           </a:xfrm>
           <a:prstGeom prst="rect">
             <a:avLst/>
@@ -7092,7 +8893,7 @@
   <p:cSld>
     <p:spTree>
       <p:nvGrpSpPr>
-        <p:cNvPr id="66" name="Shape 66"/>
+        <p:cNvPr id="64" name="Shape 64"/>
         <p:cNvGrpSpPr/>
         <p:nvPr/>
       </p:nvGrpSpPr>
@@ -7106,7 +8907,7 @@
       </p:grpSpPr>
       <p:sp>
         <p:nvSpPr>
-          <p:cNvPr id="67" name="Google Shape;67;p15"/>
+          <p:cNvPr id="65" name="Google Shape;65;p15"/>
           <p:cNvSpPr txBox="1"/>
           <p:nvPr>
             <p:ph type="title"/>
@@ -7138,7 +8939,7 @@
             </a:pPr>
             <a:r>
               <a:rPr b="1" lang="es-419"/>
-              <a:t>Motivación</a:t>
+              <a:t>Objetivo</a:t>
             </a:r>
             <a:endParaRPr b="1"/>
           </a:p>
@@ -7146,7 +8947,7 @@
       </p:sp>
       <p:sp>
         <p:nvSpPr>
-          <p:cNvPr id="68" name="Google Shape;68;p15"/>
+          <p:cNvPr id="66" name="Google Shape;66;p15"/>
           <p:cNvSpPr txBox="1"/>
           <p:nvPr>
             <p:ph idx="1" type="body"/>
@@ -7167,50 +8968,121 @@
           </a:bodyPr>
           <a:lstStyle/>
           <a:p>
-            <a:pPr indent="-342900" lvl="0" marL="457200" rtl="0" algn="l">
-              <a:spcBef>
-                <a:spcPts val="0"/>
-              </a:spcBef>
-              <a:spcAft>
-                <a:spcPts val="0"/>
-              </a:spcAft>
-              <a:buSzPts val="1800"/>
-              <a:buChar char="●"/>
+            <a:pPr indent="0" lvl="0" marL="457200" rtl="0" algn="l">
+              <a:spcBef>
+                <a:spcPts val="0"/>
+              </a:spcBef>
+              <a:spcAft>
+                <a:spcPts val="0"/>
+              </a:spcAft>
+              <a:buNone/>
             </a:pPr>
             <a:r>
               <a:rPr lang="es-419"/>
-              <a:t>El S&amp;P500 es un </a:t>
+              <a:t>Estudiar el comportamiento de distintos algoritmos de ML en la tarea de predecir el movimiento relativo del S&amp;P500, </a:t>
             </a:r>
             <a:r>
               <a:rPr lang="es-419"/>
-              <a:t>índice</a:t>
+              <a:t>tratándolo</a:t>
             </a:r>
             <a:r>
               <a:rPr lang="es-419"/>
-              <a:t> </a:t>
+              <a:t> como un problema </a:t>
             </a:r>
             <a:r>
               <a:rPr lang="es-419"/>
-              <a:t>bursátil que representa 500 de las compañías más importantes de la economía americana, llegando a ser uno de los índices más importantes a nivel mundial, su predicción podría ayudar a las grandes empresas a tomar medidas en función del resultado.</a:t>
+              <a:t>autorregresivo</a:t>
+            </a:r>
+            <a:r>
+              <a:rPr lang="es-419"/>
+              <a:t>.</a:t>
             </a:r>
             <a:endParaRPr/>
           </a:p>
           <a:p>
-            <a:pPr indent="-342900" lvl="0" marL="457200" rtl="0" algn="l">
-              <a:spcBef>
-                <a:spcPts val="0"/>
-              </a:spcBef>
-              <a:spcAft>
-                <a:spcPts val="0"/>
-              </a:spcAft>
-              <a:buSzPts val="1800"/>
-              <a:buChar char="●"/>
+            <a:pPr indent="0" lvl="0" marL="0" rtl="0" algn="l">
+              <a:spcBef>
+                <a:spcPts val="1200"/>
+              </a:spcBef>
+              <a:spcAft>
+                <a:spcPts val="1200"/>
+              </a:spcAft>
+              <a:buNone/>
             </a:pPr>
             <a:r>
-              <a:rPr lang="es-419"/>
-              <a:t>El índice también es usado para realizar inversión de fondos sin necesidad de escoger las empresas en las cuales se pone el riesgo en capital, confiando en la “robusta” economía americana.</a:t>
+              <a:t/>
             </a:r>
             <a:endParaRPr/>
+          </a:p>
+        </p:txBody>
+      </p:sp>
+      <p:pic>
+        <p:nvPicPr>
+          <p:cNvPr id="67" name="Google Shape;67;p15"/>
+          <p:cNvPicPr preferRelativeResize="0"/>
+          <p:nvPr/>
+        </p:nvPicPr>
+        <p:blipFill>
+          <a:blip r:embed="rId3">
+            <a:alphaModFix/>
+          </a:blip>
+          <a:stretch>
+            <a:fillRect/>
+          </a:stretch>
+        </p:blipFill>
+        <p:spPr>
+          <a:xfrm>
+            <a:off x="5022926" y="2301225"/>
+            <a:ext cx="3253721" cy="2267651"/>
+          </a:xfrm>
+          <a:prstGeom prst="rect">
+            <a:avLst/>
+          </a:prstGeom>
+          <a:noFill/>
+          <a:ln>
+            <a:noFill/>
+          </a:ln>
+        </p:spPr>
+      </p:pic>
+      <p:sp>
+        <p:nvSpPr>
+          <p:cNvPr id="68" name="Google Shape;68;p15"/>
+          <p:cNvSpPr txBox="1"/>
+          <p:nvPr/>
+        </p:nvSpPr>
+        <p:spPr>
+          <a:xfrm>
+            <a:off x="17400" y="4774200"/>
+            <a:ext cx="9126600" cy="369300"/>
+          </a:xfrm>
+          <a:prstGeom prst="rect">
+            <a:avLst/>
+          </a:prstGeom>
+          <a:noFill/>
+          <a:ln>
+            <a:noFill/>
+          </a:ln>
+        </p:spPr>
+        <p:txBody>
+          <a:bodyPr anchorCtr="0" anchor="t" bIns="91425" lIns="91425" spcFirstLastPara="1" rIns="91425" wrap="square" tIns="91425">
+            <a:spAutoFit/>
+          </a:bodyPr>
+          <a:lstStyle/>
+          <a:p>
+            <a:pPr indent="0" lvl="0" marL="0" rtl="0" algn="r">
+              <a:spcBef>
+                <a:spcPts val="0"/>
+              </a:spcBef>
+              <a:spcAft>
+                <a:spcPts val="0"/>
+              </a:spcAft>
+              <a:buNone/>
+            </a:pPr>
+            <a:r>
+              <a:rPr lang="es-419" sz="1200"/>
+              <a:t>1</a:t>
+            </a:r>
+            <a:endParaRPr sz="500"/>
           </a:p>
         </p:txBody>
       </p:sp>
@@ -7273,7 +9145,7 @@
             </a:pPr>
             <a:r>
               <a:rPr b="1" lang="es-419"/>
-              <a:t>Dataset</a:t>
+              <a:t>Motivación</a:t>
             </a:r>
             <a:endParaRPr b="1"/>
           </a:p>
@@ -7290,7 +9162,7 @@
         <p:spPr>
           <a:xfrm>
             <a:off x="311700" y="1152475"/>
-            <a:ext cx="8475900" cy="1052400"/>
+            <a:ext cx="8520600" cy="2608800"/>
           </a:xfrm>
           <a:prstGeom prst="rect">
             <a:avLst/>
@@ -7298,69 +9170,67 @@
         </p:spPr>
         <p:txBody>
           <a:bodyPr anchorCtr="0" anchor="t" bIns="91425" lIns="91425" spcFirstLastPara="1" rIns="91425" wrap="square" tIns="91425">
-            <a:normAutofit lnSpcReduction="10000"/>
+            <a:normAutofit/>
           </a:bodyPr>
           <a:lstStyle/>
           <a:p>
-            <a:pPr indent="0" lvl="0" marL="0" rtl="0" algn="l">
-              <a:spcBef>
-                <a:spcPts val="0"/>
-              </a:spcBef>
-              <a:spcAft>
-                <a:spcPts val="1200"/>
-              </a:spcAft>
-              <a:buNone/>
+            <a:pPr indent="-342900" lvl="0" marL="457200" rtl="0" algn="l">
+              <a:spcBef>
+                <a:spcPts val="0"/>
+              </a:spcBef>
+              <a:spcAft>
+                <a:spcPts val="0"/>
+              </a:spcAft>
+              <a:buSzPts val="1800"/>
+              <a:buChar char="●"/>
             </a:pPr>
             <a:r>
               <a:rPr lang="es-419"/>
-              <a:t>El dataset consiste en 5 columnas que (contando la fecha) mantienen los registros del precio de apertura, cierre, </a:t>
+              <a:t>El S&amp;P500 es un </a:t>
             </a:r>
             <a:r>
               <a:rPr lang="es-419"/>
-              <a:t>máximos</a:t>
+              <a:t>índice</a:t>
             </a:r>
             <a:r>
               <a:rPr lang="es-419"/>
-              <a:t> y </a:t>
+              <a:t> </a:t>
             </a:r>
             <a:r>
               <a:rPr lang="es-419"/>
-              <a:t>mínimos</a:t>
-            </a:r>
+              <a:t>bursátil que representa 500 de las compañías más importantes de la economía americana, llegando a ser uno de los índices más importantes a nivel mundial, su predicción podría ayudar a las grandes empresas a tomar medidas en función del resultado.</a:t>
+            </a:r>
+            <a:endParaRPr/>
+          </a:p>
+          <a:p>
+            <a:pPr indent="-342900" lvl="0" marL="457200" rtl="0" algn="l">
+              <a:spcBef>
+                <a:spcPts val="0"/>
+              </a:spcBef>
+              <a:spcAft>
+                <a:spcPts val="0"/>
+              </a:spcAft>
+              <a:buSzPts val="1800"/>
+              <a:buChar char="●"/>
+            </a:pPr>
             <a:r>
               <a:rPr lang="es-419"/>
-              <a:t> de todos los </a:t>
-            </a:r>
-            <a:r>
-              <a:rPr lang="es-419"/>
-              <a:t>días</a:t>
-            </a:r>
-            <a:r>
-              <a:rPr lang="es-419"/>
-              <a:t> durante 10 años del S&amp;P500.</a:t>
+              <a:t>El índice también es usado para realizar inversión de fondos sin necesidad de escoger las empresas en las cuales se pone el riesgo en capital, confiando en la “robusta” economía americana.</a:t>
             </a:r>
             <a:endParaRPr/>
           </a:p>
         </p:txBody>
       </p:sp>
-      <p:pic>
-        <p:nvPicPr>
+      <p:sp>
+        <p:nvSpPr>
           <p:cNvPr id="75" name="Google Shape;75;p16"/>
-          <p:cNvPicPr preferRelativeResize="0"/>
+          <p:cNvSpPr txBox="1"/>
           <p:nvPr/>
-        </p:nvPicPr>
-        <p:blipFill>
-          <a:blip r:embed="rId3">
-            <a:alphaModFix/>
-          </a:blip>
-          <a:stretch>
-            <a:fillRect/>
-          </a:stretch>
-        </p:blipFill>
-        <p:spPr>
-          <a:xfrm>
-            <a:off x="180125" y="2204727"/>
-            <a:ext cx="8921924" cy="1736625"/>
+        </p:nvSpPr>
+        <p:spPr>
+          <a:xfrm>
+            <a:off x="17400" y="4774200"/>
+            <a:ext cx="9126600" cy="369300"/>
           </a:xfrm>
           <a:prstGeom prst="rect">
             <a:avLst/>
@@ -7370,7 +9240,29 @@
             <a:noFill/>
           </a:ln>
         </p:spPr>
-      </p:pic>
+        <p:txBody>
+          <a:bodyPr anchorCtr="0" anchor="t" bIns="91425" lIns="91425" spcFirstLastPara="1" rIns="91425" wrap="square" tIns="91425">
+            <a:spAutoFit/>
+          </a:bodyPr>
+          <a:lstStyle/>
+          <a:p>
+            <a:pPr indent="0" lvl="0" marL="0" rtl="0" algn="r">
+              <a:spcBef>
+                <a:spcPts val="0"/>
+              </a:spcBef>
+              <a:spcAft>
+                <a:spcPts val="0"/>
+              </a:spcAft>
+              <a:buNone/>
+            </a:pPr>
+            <a:r>
+              <a:rPr lang="es-419" sz="1200"/>
+              <a:t>2</a:t>
+            </a:r>
+            <a:endParaRPr sz="500"/>
+          </a:p>
+        </p:txBody>
+      </p:sp>
     </p:spTree>
   </p:cSld>
   <p:clrMapOvr>
@@ -7430,13 +9322,9 @@
             </a:pPr>
             <a:r>
               <a:rPr b="1" lang="es-419"/>
-              <a:t>Dataset: </a:t>
-            </a:r>
-            <a:r>
-              <a:rPr lang="es-419"/>
-              <a:t>Alteraciones</a:t>
-            </a:r>
-            <a:endParaRPr/>
+              <a:t>Dataset</a:t>
+            </a:r>
+            <a:endParaRPr b="1"/>
           </a:p>
         </p:txBody>
       </p:sp>
@@ -7450,8 +9338,8 @@
         </p:nvSpPr>
         <p:spPr>
           <a:xfrm>
-            <a:off x="311700" y="1152475"/>
-            <a:ext cx="8520600" cy="3416400"/>
+            <a:off x="334050" y="1152325"/>
+            <a:ext cx="8475900" cy="1052400"/>
           </a:xfrm>
           <a:prstGeom prst="rect">
             <a:avLst/>
@@ -7459,7 +9347,7 @@
         </p:spPr>
         <p:txBody>
           <a:bodyPr anchorCtr="0" anchor="t" bIns="91425" lIns="91425" spcFirstLastPara="1" rIns="91425" wrap="square" tIns="91425">
-            <a:normAutofit/>
+            <a:normAutofit lnSpcReduction="10000"/>
           </a:bodyPr>
           <a:lstStyle/>
           <a:p>
@@ -7468,65 +9356,109 @@
                 <a:spcPts val="0"/>
               </a:spcBef>
               <a:spcAft>
-                <a:spcPts val="0"/>
+                <a:spcPts val="1200"/>
               </a:spcAft>
               <a:buNone/>
             </a:pPr>
             <a:r>
               <a:rPr lang="es-419"/>
-              <a:t>Los valores usados en el entrenamiento son transformaciones de los datos del dataset original, las cuales se especifican en el notebook como:</a:t>
+              <a:t>El dataset consiste en 5 columnas que (contando la fecha) mantienen los registros del precio de apertura, cierre, </a:t>
+            </a:r>
+            <a:r>
+              <a:rPr lang="es-419"/>
+              <a:t>máximos</a:t>
+            </a:r>
+            <a:r>
+              <a:rPr lang="es-419"/>
+              <a:t> y </a:t>
+            </a:r>
+            <a:r>
+              <a:rPr lang="es-419"/>
+              <a:t>mínimos</a:t>
+            </a:r>
+            <a:r>
+              <a:rPr lang="es-419"/>
+              <a:t> de todos los </a:t>
+            </a:r>
+            <a:r>
+              <a:rPr lang="es-419"/>
+              <a:t>días</a:t>
+            </a:r>
+            <a:r>
+              <a:rPr lang="es-419"/>
+              <a:t> durante 10 años del S&amp;P500.</a:t>
             </a:r>
             <a:endParaRPr/>
           </a:p>
+        </p:txBody>
+      </p:sp>
+      <p:pic>
+        <p:nvPicPr>
+          <p:cNvPr id="82" name="Google Shape;82;p17"/>
+          <p:cNvPicPr preferRelativeResize="0"/>
+          <p:nvPr/>
+        </p:nvPicPr>
+        <p:blipFill>
+          <a:blip r:embed="rId3">
+            <a:alphaModFix/>
+          </a:blip>
+          <a:stretch>
+            <a:fillRect/>
+          </a:stretch>
+        </p:blipFill>
+        <p:spPr>
+          <a:xfrm>
+            <a:off x="180125" y="2204727"/>
+            <a:ext cx="8921924" cy="1736625"/>
+          </a:xfrm>
+          <a:prstGeom prst="rect">
+            <a:avLst/>
+          </a:prstGeom>
+          <a:noFill/>
+          <a:ln>
+            <a:noFill/>
+          </a:ln>
+        </p:spPr>
+      </p:pic>
+      <p:sp>
+        <p:nvSpPr>
+          <p:cNvPr id="83" name="Google Shape;83;p17"/>
+          <p:cNvSpPr txBox="1"/>
+          <p:nvPr/>
+        </p:nvSpPr>
+        <p:spPr>
+          <a:xfrm>
+            <a:off x="17400" y="4774200"/>
+            <a:ext cx="9126600" cy="369300"/>
+          </a:xfrm>
+          <a:prstGeom prst="rect">
+            <a:avLst/>
+          </a:prstGeom>
+          <a:noFill/>
+          <a:ln>
+            <a:noFill/>
+          </a:ln>
+        </p:spPr>
+        <p:txBody>
+          <a:bodyPr anchorCtr="0" anchor="t" bIns="91425" lIns="91425" spcFirstLastPara="1" rIns="91425" wrap="square" tIns="91425">
+            <a:spAutoFit/>
+          </a:bodyPr>
+          <a:lstStyle/>
           <a:p>
-            <a:pPr indent="-342900" lvl="0" marL="457200" rtl="0" algn="l">
-              <a:spcBef>
-                <a:spcPts val="1200"/>
-              </a:spcBef>
-              <a:spcAft>
-                <a:spcPts val="0"/>
-              </a:spcAft>
-              <a:buSzPts val="1800"/>
-              <a:buAutoNum type="arabicPeriod"/>
+            <a:pPr indent="0" lvl="0" marL="0" rtl="0" algn="r">
+              <a:spcBef>
+                <a:spcPts val="0"/>
+              </a:spcBef>
+              <a:spcAft>
+                <a:spcPts val="0"/>
+              </a:spcAft>
+              <a:buNone/>
             </a:pPr>
             <a:r>
-              <a:rPr lang="es-419"/>
-              <a:t>Volatilidad Relativa = (h-l)/o</a:t>
-            </a:r>
-            <a:endParaRPr/>
-          </a:p>
-          <a:p>
-            <a:pPr indent="-342900" lvl="0" marL="457200" rtl="0" algn="l">
-              <a:spcBef>
-                <a:spcPts val="0"/>
-              </a:spcBef>
-              <a:spcAft>
-                <a:spcPts val="0"/>
-              </a:spcAft>
-              <a:buSzPts val="1800"/>
-              <a:buAutoNum type="arabicPeriod"/>
-            </a:pPr>
-            <a:r>
-              <a:rPr lang="es-419"/>
-              <a:t>Desplazamiento Relativo = (c-o)/o</a:t>
-            </a:r>
-            <a:endParaRPr/>
-          </a:p>
-          <a:p>
-            <a:pPr indent="0" lvl="0" marL="0" rtl="0" algn="l">
-              <a:spcBef>
-                <a:spcPts val="1200"/>
-              </a:spcBef>
-              <a:spcAft>
-                <a:spcPts val="1200"/>
-              </a:spcAft>
-              <a:buNone/>
-            </a:pPr>
-            <a:r>
-              <a:rPr lang="es-419"/>
-              <a:t>Donde “h” es el maximo del dia, “l” el minimo, “o” el precio de apertura y “c” el precio de cierre.</a:t>
-            </a:r>
-            <a:endParaRPr/>
+              <a:rPr lang="es-419" sz="1200"/>
+              <a:t>3</a:t>
+            </a:r>
+            <a:endParaRPr sz="500"/>
           </a:p>
         </p:txBody>
       </p:sp>
@@ -7543,7 +9475,7 @@
   <p:cSld>
     <p:spTree>
       <p:nvGrpSpPr>
-        <p:cNvPr id="85" name="Shape 85"/>
+        <p:cNvPr id="87" name="Shape 87"/>
         <p:cNvGrpSpPr/>
         <p:nvPr/>
       </p:nvGrpSpPr>
@@ -7557,7 +9489,7 @@
       </p:grpSpPr>
       <p:sp>
         <p:nvSpPr>
-          <p:cNvPr id="86" name="Google Shape;86;p18"/>
+          <p:cNvPr id="88" name="Google Shape;88;p18"/>
           <p:cNvSpPr txBox="1"/>
           <p:nvPr>
             <p:ph type="title"/>
@@ -7589,7 +9521,11 @@
             </a:pPr>
             <a:r>
               <a:rPr b="1" lang="es-419"/>
-              <a:t>Algoritmos</a:t>
+              <a:t>Dataset: </a:t>
+            </a:r>
+            <a:r>
+              <a:rPr lang="es-419"/>
+              <a:t>Alteraciones</a:t>
             </a:r>
             <a:endParaRPr/>
           </a:p>
@@ -7597,7 +9533,7 @@
       </p:sp>
       <p:sp>
         <p:nvSpPr>
-          <p:cNvPr id="87" name="Google Shape;87;p18"/>
+          <p:cNvPr id="89" name="Google Shape;89;p18"/>
           <p:cNvSpPr txBox="1"/>
           <p:nvPr>
             <p:ph idx="1" type="body"/>
@@ -7606,7 +9542,7 @@
         <p:spPr>
           <a:xfrm>
             <a:off x="311700" y="1152475"/>
-            <a:ext cx="8520600" cy="1668300"/>
+            <a:ext cx="8520600" cy="2401800"/>
           </a:xfrm>
           <a:prstGeom prst="rect">
             <a:avLst/>
@@ -7618,26 +9554,25 @@
           </a:bodyPr>
           <a:lstStyle/>
           <a:p>
-            <a:pPr indent="-342900" lvl="0" marL="457200" rtl="0" algn="l">
-              <a:spcBef>
-                <a:spcPts val="0"/>
-              </a:spcBef>
-              <a:spcAft>
-                <a:spcPts val="0"/>
-              </a:spcAft>
-              <a:buSzPts val="1800"/>
-              <a:buAutoNum type="arabicPeriod"/>
+            <a:pPr indent="0" lvl="0" marL="0" rtl="0" algn="l">
+              <a:spcBef>
+                <a:spcPts val="0"/>
+              </a:spcBef>
+              <a:spcAft>
+                <a:spcPts val="0"/>
+              </a:spcAft>
+              <a:buNone/>
             </a:pPr>
             <a:r>
               <a:rPr lang="es-419"/>
-              <a:t>Decision Tree Regressor</a:t>
+              <a:t>Los valores usados en el entrenamiento son transformaciones de los datos del dataset original, las cuales se especifican en el notebook como:</a:t>
             </a:r>
             <a:endParaRPr/>
           </a:p>
           <a:p>
             <a:pPr indent="-342900" lvl="0" marL="457200" rtl="0" algn="l">
               <a:spcBef>
-                <a:spcPts val="0"/>
+                <a:spcPts val="1200"/>
               </a:spcBef>
               <a:spcAft>
                 <a:spcPts val="0"/>
@@ -7647,7 +9582,7 @@
             </a:pPr>
             <a:r>
               <a:rPr lang="es-419"/>
-              <a:t>Random Forest Regressor</a:t>
+              <a:t>Volatilidad Relativa = (h-l)/o</a:t>
             </a:r>
             <a:endParaRPr/>
           </a:p>
@@ -7664,32 +9599,73 @@
             </a:pPr>
             <a:r>
               <a:rPr lang="es-419"/>
-              <a:t>Support Vector Regressor</a:t>
+              <a:t>Desplazamiento Relativo = (c-o)/o</a:t>
             </a:r>
             <a:endParaRPr/>
           </a:p>
           <a:p>
-            <a:pPr indent="-342900" lvl="0" marL="457200" rtl="0" algn="l">
-              <a:spcBef>
-                <a:spcPts val="0"/>
-              </a:spcBef>
-              <a:spcAft>
-                <a:spcPts val="0"/>
-              </a:spcAft>
-              <a:buSzPts val="1800"/>
-              <a:buAutoNum type="arabicPeriod"/>
+            <a:pPr indent="0" lvl="0" marL="0" rtl="0" algn="l">
+              <a:spcBef>
+                <a:spcPts val="1200"/>
+              </a:spcBef>
+              <a:spcAft>
+                <a:spcPts val="1200"/>
+              </a:spcAft>
+              <a:buNone/>
             </a:pPr>
             <a:r>
               <a:rPr lang="es-419"/>
-              <a:t>Multi Layer Perceptron (DL)</a:t>
+              <a:t>Donde “h” es el máximo del dia, “l” el mínimo, “o” el precio de apertura y “c” el precio de cierre.</a:t>
             </a:r>
             <a:endParaRPr/>
+          </a:p>
+        </p:txBody>
+      </p:sp>
+      <p:sp>
+        <p:nvSpPr>
+          <p:cNvPr id="90" name="Google Shape;90;p18"/>
+          <p:cNvSpPr txBox="1"/>
+          <p:nvPr/>
+        </p:nvSpPr>
+        <p:spPr>
+          <a:xfrm>
+            <a:off x="17400" y="4774200"/>
+            <a:ext cx="9126600" cy="369300"/>
+          </a:xfrm>
+          <a:prstGeom prst="rect">
+            <a:avLst/>
+          </a:prstGeom>
+          <a:noFill/>
+          <a:ln>
+            <a:noFill/>
+          </a:ln>
+        </p:spPr>
+        <p:txBody>
+          <a:bodyPr anchorCtr="0" anchor="t" bIns="91425" lIns="91425" spcFirstLastPara="1" rIns="91425" wrap="square" tIns="91425">
+            <a:spAutoFit/>
+          </a:bodyPr>
+          <a:lstStyle/>
+          <a:p>
+            <a:pPr indent="0" lvl="0" marL="0" rtl="0" algn="r">
+              <a:spcBef>
+                <a:spcPts val="0"/>
+              </a:spcBef>
+              <a:spcAft>
+                <a:spcPts val="0"/>
+              </a:spcAft>
+              <a:buNone/>
+            </a:pPr>
+            <a:r>
+              <a:rPr lang="es-419" sz="1200"/>
+              <a:t>4</a:t>
+            </a:r>
+            <a:endParaRPr sz="500"/>
           </a:p>
         </p:txBody>
       </p:sp>
       <p:pic>
         <p:nvPicPr>
-          <p:cNvPr id="88" name="Google Shape;88;p18"/>
+          <p:cNvPr id="91" name="Google Shape;91;p18"/>
           <p:cNvPicPr preferRelativeResize="0"/>
           <p:nvPr/>
         </p:nvPicPr>
@@ -7703,8 +9679,8 @@
         </p:blipFill>
         <p:spPr>
           <a:xfrm>
-            <a:off x="5957449" y="445025"/>
-            <a:ext cx="2581225" cy="1710275"/>
+            <a:off x="646800" y="3434000"/>
+            <a:ext cx="3581400" cy="1390650"/>
           </a:xfrm>
           <a:prstGeom prst="rect">
             <a:avLst/>
@@ -7717,7 +9693,7 @@
       </p:pic>
       <p:pic>
         <p:nvPicPr>
-          <p:cNvPr id="89" name="Google Shape;89;p18"/>
+          <p:cNvPr id="92" name="Google Shape;92;p18"/>
           <p:cNvPicPr preferRelativeResize="0"/>
           <p:nvPr/>
         </p:nvPicPr>
@@ -7731,36 +9707,8 @@
         </p:blipFill>
         <p:spPr>
           <a:xfrm>
-            <a:off x="5593826" y="2883700"/>
-            <a:ext cx="3070700" cy="1793175"/>
-          </a:xfrm>
-          <a:prstGeom prst="rect">
-            <a:avLst/>
-          </a:prstGeom>
-          <a:noFill/>
-          <a:ln>
-            <a:noFill/>
-          </a:ln>
-        </p:spPr>
-      </p:pic>
-      <p:pic>
-        <p:nvPicPr>
-          <p:cNvPr id="90" name="Google Shape;90;p18"/>
-          <p:cNvPicPr preferRelativeResize="0"/>
-          <p:nvPr/>
-        </p:nvPicPr>
-        <p:blipFill>
-          <a:blip r:embed="rId5">
-            <a:alphaModFix/>
-          </a:blip>
-          <a:stretch>
-            <a:fillRect/>
-          </a:stretch>
-        </p:blipFill>
-        <p:spPr>
-          <a:xfrm>
-            <a:off x="592825" y="2571750"/>
-            <a:ext cx="3257025" cy="2251575"/>
+            <a:off x="4759950" y="3772500"/>
+            <a:ext cx="3609975" cy="447675"/>
           </a:xfrm>
           <a:prstGeom prst="rect">
             <a:avLst/>
@@ -7784,7 +9732,7 @@
   <p:cSld>
     <p:spTree>
       <p:nvGrpSpPr>
-        <p:cNvPr id="94" name="Shape 94"/>
+        <p:cNvPr id="96" name="Shape 96"/>
         <p:cNvGrpSpPr/>
         <p:nvPr/>
       </p:nvGrpSpPr>
@@ -7798,7 +9746,7 @@
       </p:grpSpPr>
       <p:sp>
         <p:nvSpPr>
-          <p:cNvPr id="95" name="Google Shape;95;p19"/>
+          <p:cNvPr id="97" name="Google Shape;97;p19"/>
           <p:cNvSpPr txBox="1"/>
           <p:nvPr>
             <p:ph type="title"/>
@@ -7830,19 +9778,15 @@
             </a:pPr>
             <a:r>
               <a:rPr b="1" lang="es-419"/>
-              <a:t>Evaluación</a:t>
-            </a:r>
-            <a:r>
-              <a:rPr b="1" lang="es-419"/>
-              <a:t> de resultados</a:t>
-            </a:r>
-            <a:endParaRPr b="1"/>
+              <a:t>Algoritmos</a:t>
+            </a:r>
+            <a:endParaRPr/>
           </a:p>
         </p:txBody>
       </p:sp>
       <p:sp>
         <p:nvSpPr>
-          <p:cNvPr id="96" name="Google Shape;96;p19"/>
+          <p:cNvPr id="98" name="Google Shape;98;p19"/>
           <p:cNvSpPr txBox="1"/>
           <p:nvPr>
             <p:ph idx="1" type="body"/>
@@ -7851,7 +9795,7 @@
         <p:spPr>
           <a:xfrm>
             <a:off x="311700" y="1152475"/>
-            <a:ext cx="8520600" cy="3416400"/>
+            <a:ext cx="8520600" cy="1668300"/>
           </a:xfrm>
           <a:prstGeom prst="rect">
             <a:avLst/>
@@ -7863,102 +9807,70 @@
           </a:bodyPr>
           <a:lstStyle/>
           <a:p>
-            <a:pPr indent="0" lvl="0" marL="0" rtl="0" algn="l">
-              <a:spcBef>
-                <a:spcPts val="0"/>
-              </a:spcBef>
-              <a:spcAft>
-                <a:spcPts val="0"/>
-              </a:spcAft>
-              <a:buNone/>
+            <a:pPr indent="-342900" lvl="0" marL="457200" rtl="0" algn="l">
+              <a:spcBef>
+                <a:spcPts val="0"/>
+              </a:spcBef>
+              <a:spcAft>
+                <a:spcPts val="0"/>
+              </a:spcAft>
+              <a:buSzPts val="1800"/>
+              <a:buAutoNum type="arabicPeriod"/>
             </a:pPr>
             <a:r>
               <a:rPr lang="es-419"/>
-              <a:t>Para poder realizar una </a:t>
-            </a:r>
-            <a:r>
-              <a:rPr lang="es-419"/>
-              <a:t>comparación</a:t>
-            </a:r>
-            <a:r>
-              <a:rPr lang="es-419"/>
-              <a:t> del comportamiento entre los modelos, se </a:t>
-            </a:r>
-            <a:r>
-              <a:rPr lang="es-419"/>
-              <a:t>tomó</a:t>
-            </a:r>
-            <a:r>
-              <a:rPr lang="es-419"/>
-              <a:t> en </a:t>
-            </a:r>
-            <a:r>
-              <a:rPr lang="es-419"/>
-              <a:t>consideración</a:t>
-            </a:r>
-            <a:r>
-              <a:rPr lang="es-419"/>
-              <a:t> que el </a:t>
-            </a:r>
-            <a:r>
-              <a:rPr lang="es-419"/>
-              <a:t>número</a:t>
-            </a:r>
-            <a:r>
-              <a:rPr lang="es-419"/>
-              <a:t> de </a:t>
-            </a:r>
-            <a:r>
-              <a:rPr lang="es-419"/>
-              <a:t>días</a:t>
-            </a:r>
-            <a:r>
-              <a:rPr lang="es-419"/>
-              <a:t> a analizar puede jugar un factor importante y por tanto se corrieron los algoritmos para </a:t>
-            </a:r>
-            <a:r>
-              <a:rPr lang="es-419"/>
-              <a:t>múltiples</a:t>
-            </a:r>
-            <a:r>
-              <a:rPr lang="es-419"/>
-              <a:t> ventanas de dias (3-8).</a:t>
+              <a:t>Decision Tree Regressor</a:t>
             </a:r>
             <a:endParaRPr/>
           </a:p>
           <a:p>
-            <a:pPr indent="0" lvl="0" marL="0" rtl="0" algn="l">
-              <a:spcBef>
-                <a:spcPts val="1200"/>
-              </a:spcBef>
-              <a:spcAft>
-                <a:spcPts val="1200"/>
-              </a:spcAft>
-              <a:buNone/>
+            <a:pPr indent="-342900" lvl="0" marL="457200" rtl="0" algn="l">
+              <a:spcBef>
+                <a:spcPts val="0"/>
+              </a:spcBef>
+              <a:spcAft>
+                <a:spcPts val="0"/>
+              </a:spcAft>
+              <a:buSzPts val="1800"/>
+              <a:buAutoNum type="arabicPeriod"/>
             </a:pPr>
             <a:r>
               <a:rPr lang="es-419"/>
-              <a:t>Además</a:t>
-            </a:r>
+              <a:t>Random Forest Regressor</a:t>
+            </a:r>
+            <a:endParaRPr/>
+          </a:p>
+          <a:p>
+            <a:pPr indent="-342900" lvl="0" marL="457200" rtl="0" algn="l">
+              <a:spcBef>
+                <a:spcPts val="0"/>
+              </a:spcBef>
+              <a:spcAft>
+                <a:spcPts val="0"/>
+              </a:spcAft>
+              <a:buSzPts val="1800"/>
+              <a:buAutoNum type="arabicPeriod"/>
+            </a:pPr>
             <a:r>
               <a:rPr lang="es-419"/>
-              <a:t> se usaron las siguientes </a:t>
-            </a:r>
+              <a:t>Support Vector Regressor</a:t>
+            </a:r>
+            <a:endParaRPr/>
+          </a:p>
+          <a:p>
+            <a:pPr indent="-342900" lvl="0" marL="457200" rtl="0" algn="l">
+              <a:spcBef>
+                <a:spcPts val="0"/>
+              </a:spcBef>
+              <a:spcAft>
+                <a:spcPts val="0"/>
+              </a:spcAft>
+              <a:buSzPts val="1800"/>
+              <a:buAutoNum type="arabicPeriod"/>
+            </a:pPr>
             <a:r>
               <a:rPr lang="es-419"/>
-              <a:t>métricas</a:t>
-            </a:r>
-            <a:r>
-              <a:rPr lang="es-419"/>
-              <a:t> de </a:t>
-            </a:r>
-            <a:r>
-              <a:rPr lang="es-419"/>
-              <a:t>evaluación</a:t>
-            </a:r>
-            <a:r>
-              <a:rPr lang="es-419"/>
-              <a:t>:</a:t>
+              <a:t>Multi Layer Perceptron (DL)</a:t>
             </a:r>
             <a:endParaRPr/>
           </a:p>
@@ -7966,7 +9878,7 @@
       </p:sp>
       <p:pic>
         <p:nvPicPr>
-          <p:cNvPr id="97" name="Google Shape;97;p19"/>
+          <p:cNvPr id="99" name="Google Shape;99;p19"/>
           <p:cNvPicPr preferRelativeResize="0"/>
           <p:nvPr/>
         </p:nvPicPr>
@@ -7980,8 +9892,8 @@
         </p:blipFill>
         <p:spPr>
           <a:xfrm>
-            <a:off x="157450" y="3303554"/>
-            <a:ext cx="4065574" cy="1160350"/>
+            <a:off x="5957449" y="445025"/>
+            <a:ext cx="2581225" cy="1710275"/>
           </a:xfrm>
           <a:prstGeom prst="rect">
             <a:avLst/>
@@ -7994,7 +9906,7 @@
       </p:pic>
       <p:pic>
         <p:nvPicPr>
-          <p:cNvPr id="98" name="Google Shape;98;p19"/>
+          <p:cNvPr id="100" name="Google Shape;100;p19"/>
           <p:cNvPicPr preferRelativeResize="0"/>
           <p:nvPr/>
         </p:nvPicPr>
@@ -8008,8 +9920,8 @@
         </p:blipFill>
         <p:spPr>
           <a:xfrm>
-            <a:off x="4289075" y="3484125"/>
-            <a:ext cx="4612326" cy="979775"/>
+            <a:off x="5593826" y="2883700"/>
+            <a:ext cx="3070700" cy="1793175"/>
           </a:xfrm>
           <a:prstGeom prst="rect">
             <a:avLst/>
@@ -8020,6 +9932,76 @@
           </a:ln>
         </p:spPr>
       </p:pic>
+      <p:pic>
+        <p:nvPicPr>
+          <p:cNvPr id="101" name="Google Shape;101;p19"/>
+          <p:cNvPicPr preferRelativeResize="0"/>
+          <p:nvPr/>
+        </p:nvPicPr>
+        <p:blipFill>
+          <a:blip r:embed="rId5">
+            <a:alphaModFix/>
+          </a:blip>
+          <a:stretch>
+            <a:fillRect/>
+          </a:stretch>
+        </p:blipFill>
+        <p:spPr>
+          <a:xfrm>
+            <a:off x="592825" y="2571750"/>
+            <a:ext cx="3257025" cy="2251575"/>
+          </a:xfrm>
+          <a:prstGeom prst="rect">
+            <a:avLst/>
+          </a:prstGeom>
+          <a:noFill/>
+          <a:ln>
+            <a:noFill/>
+          </a:ln>
+        </p:spPr>
+      </p:pic>
+      <p:sp>
+        <p:nvSpPr>
+          <p:cNvPr id="102" name="Google Shape;102;p19"/>
+          <p:cNvSpPr txBox="1"/>
+          <p:nvPr/>
+        </p:nvSpPr>
+        <p:spPr>
+          <a:xfrm>
+            <a:off x="17400" y="4774200"/>
+            <a:ext cx="9126600" cy="369300"/>
+          </a:xfrm>
+          <a:prstGeom prst="rect">
+            <a:avLst/>
+          </a:prstGeom>
+          <a:noFill/>
+          <a:ln>
+            <a:noFill/>
+          </a:ln>
+        </p:spPr>
+        <p:txBody>
+          <a:bodyPr anchorCtr="0" anchor="t" bIns="91425" lIns="91425" spcFirstLastPara="1" rIns="91425" wrap="square" tIns="91425">
+            <a:spAutoFit/>
+          </a:bodyPr>
+          <a:lstStyle/>
+          <a:p>
+            <a:pPr indent="0" lvl="0" marL="0" rtl="0" algn="r">
+              <a:spcBef>
+                <a:spcPts val="0"/>
+              </a:spcBef>
+              <a:spcAft>
+                <a:spcPts val="0"/>
+              </a:spcAft>
+              <a:buNone/>
+            </a:pPr>
+            <a:r>
+              <a:rPr lang="es-419" sz="1200"/>
+              <a:t>5</a:t>
+            </a:r>
+            <a:endParaRPr sz="500"/>
+          </a:p>
+        </p:txBody>
+      </p:sp>
     </p:spTree>
   </p:cSld>
   <p:clrMapOvr>
@@ -8033,7 +10015,7 @@
   <p:cSld>
     <p:spTree>
       <p:nvGrpSpPr>
-        <p:cNvPr id="102" name="Shape 102"/>
+        <p:cNvPr id="106" name="Shape 106"/>
         <p:cNvGrpSpPr/>
         <p:nvPr/>
       </p:nvGrpSpPr>
@@ -8047,7 +10029,7 @@
       </p:grpSpPr>
       <p:sp>
         <p:nvSpPr>
-          <p:cNvPr id="103" name="Google Shape;103;p20"/>
+          <p:cNvPr id="107" name="Google Shape;107;p20"/>
           <p:cNvSpPr txBox="1"/>
           <p:nvPr>
             <p:ph type="title"/>
@@ -8079,11 +10061,135 @@
             </a:pPr>
             <a:r>
               <a:rPr b="1" lang="es-419"/>
-              <a:t>Algoritmos: </a:t>
-            </a:r>
+              <a:t>Evaluación</a:t>
+            </a:r>
+            <a:r>
+              <a:rPr b="1" lang="es-419"/>
+              <a:t> de resultados</a:t>
+            </a:r>
+            <a:endParaRPr b="1"/>
+          </a:p>
+        </p:txBody>
+      </p:sp>
+      <p:sp>
+        <p:nvSpPr>
+          <p:cNvPr id="108" name="Google Shape;108;p20"/>
+          <p:cNvSpPr txBox="1"/>
+          <p:nvPr>
+            <p:ph idx="1" type="body"/>
+          </p:nvPr>
+        </p:nvSpPr>
+        <p:spPr>
+          <a:xfrm>
+            <a:off x="311700" y="1152475"/>
+            <a:ext cx="8520600" cy="3416400"/>
+          </a:xfrm>
+          <a:prstGeom prst="rect">
+            <a:avLst/>
+          </a:prstGeom>
+        </p:spPr>
+        <p:txBody>
+          <a:bodyPr anchorCtr="0" anchor="t" bIns="91425" lIns="91425" spcFirstLastPara="1" rIns="91425" wrap="square" tIns="91425">
+            <a:normAutofit/>
+          </a:bodyPr>
+          <a:lstStyle/>
+          <a:p>
+            <a:pPr indent="0" lvl="0" marL="0" rtl="0" algn="l">
+              <a:spcBef>
+                <a:spcPts val="0"/>
+              </a:spcBef>
+              <a:spcAft>
+                <a:spcPts val="0"/>
+              </a:spcAft>
+              <a:buNone/>
+            </a:pPr>
             <a:r>
               <a:rPr lang="es-419"/>
-              <a:t>Decision Tree Regressor</a:t>
+              <a:t>Para poder realizar una </a:t>
+            </a:r>
+            <a:r>
+              <a:rPr lang="es-419"/>
+              <a:t>comparación</a:t>
+            </a:r>
+            <a:r>
+              <a:rPr lang="es-419"/>
+              <a:t> del comportamiento entre los modelos, se </a:t>
+            </a:r>
+            <a:r>
+              <a:rPr lang="es-419"/>
+              <a:t>tomó</a:t>
+            </a:r>
+            <a:r>
+              <a:rPr lang="es-419"/>
+              <a:t> en </a:t>
+            </a:r>
+            <a:r>
+              <a:rPr lang="es-419"/>
+              <a:t>consideración</a:t>
+            </a:r>
+            <a:r>
+              <a:rPr lang="es-419"/>
+              <a:t> que el </a:t>
+            </a:r>
+            <a:r>
+              <a:rPr lang="es-419"/>
+              <a:t>número</a:t>
+            </a:r>
+            <a:r>
+              <a:rPr lang="es-419"/>
+              <a:t> de </a:t>
+            </a:r>
+            <a:r>
+              <a:rPr lang="es-419"/>
+              <a:t>días</a:t>
+            </a:r>
+            <a:r>
+              <a:rPr lang="es-419"/>
+              <a:t> a analizar puede jugar un factor importante y por tanto se corrieron los algoritmos para </a:t>
+            </a:r>
+            <a:r>
+              <a:rPr lang="es-419"/>
+              <a:t>múltiples</a:t>
+            </a:r>
+            <a:r>
+              <a:rPr lang="es-419"/>
+              <a:t> ventanas de dias (3-8).</a:t>
+            </a:r>
+            <a:endParaRPr/>
+          </a:p>
+          <a:p>
+            <a:pPr indent="0" lvl="0" marL="0" rtl="0" algn="l">
+              <a:spcBef>
+                <a:spcPts val="1200"/>
+              </a:spcBef>
+              <a:spcAft>
+                <a:spcPts val="1200"/>
+              </a:spcAft>
+              <a:buNone/>
+            </a:pPr>
+            <a:r>
+              <a:rPr lang="es-419"/>
+              <a:t>Además</a:t>
+            </a:r>
+            <a:r>
+              <a:rPr lang="es-419"/>
+              <a:t> se usaron las siguientes </a:t>
+            </a:r>
+            <a:r>
+              <a:rPr lang="es-419"/>
+              <a:t>métricas</a:t>
+            </a:r>
+            <a:r>
+              <a:rPr lang="es-419"/>
+              <a:t> de </a:t>
+            </a:r>
+            <a:r>
+              <a:rPr lang="es-419"/>
+              <a:t>evaluación</a:t>
+            </a:r>
+            <a:r>
+              <a:rPr lang="es-419"/>
+              <a:t>:</a:t>
             </a:r>
             <a:endParaRPr/>
           </a:p>
@@ -8091,7 +10197,7 @@
       </p:sp>
       <p:pic>
         <p:nvPicPr>
-          <p:cNvPr id="104" name="Google Shape;104;p20"/>
+          <p:cNvPr id="109" name="Google Shape;109;p20"/>
           <p:cNvPicPr preferRelativeResize="0"/>
           <p:nvPr/>
         </p:nvPicPr>
@@ -8105,8 +10211,8 @@
         </p:blipFill>
         <p:spPr>
           <a:xfrm>
-            <a:off x="427150" y="1536700"/>
-            <a:ext cx="3733800" cy="2647950"/>
+            <a:off x="157450" y="3303554"/>
+            <a:ext cx="4065574" cy="1160350"/>
           </a:xfrm>
           <a:prstGeom prst="rect">
             <a:avLst/>
@@ -8119,7 +10225,7 @@
       </p:pic>
       <p:pic>
         <p:nvPicPr>
-          <p:cNvPr id="105" name="Google Shape;105;p20"/>
+          <p:cNvPr id="110" name="Google Shape;110;p20"/>
           <p:cNvPicPr preferRelativeResize="0"/>
           <p:nvPr/>
         </p:nvPicPr>
@@ -8133,8 +10239,8 @@
         </p:blipFill>
         <p:spPr>
           <a:xfrm>
-            <a:off x="4906550" y="1536700"/>
-            <a:ext cx="3790950" cy="2647950"/>
+            <a:off x="4289075" y="3484125"/>
+            <a:ext cx="4612326" cy="979775"/>
           </a:xfrm>
           <a:prstGeom prst="rect">
             <a:avLst/>
@@ -8145,6 +10251,48 @@
           </a:ln>
         </p:spPr>
       </p:pic>
+      <p:sp>
+        <p:nvSpPr>
+          <p:cNvPr id="111" name="Google Shape;111;p20"/>
+          <p:cNvSpPr txBox="1"/>
+          <p:nvPr/>
+        </p:nvSpPr>
+        <p:spPr>
+          <a:xfrm>
+            <a:off x="17400" y="4774200"/>
+            <a:ext cx="9126600" cy="369300"/>
+          </a:xfrm>
+          <a:prstGeom prst="rect">
+            <a:avLst/>
+          </a:prstGeom>
+          <a:noFill/>
+          <a:ln>
+            <a:noFill/>
+          </a:ln>
+        </p:spPr>
+        <p:txBody>
+          <a:bodyPr anchorCtr="0" anchor="t" bIns="91425" lIns="91425" spcFirstLastPara="1" rIns="91425" wrap="square" tIns="91425">
+            <a:spAutoFit/>
+          </a:bodyPr>
+          <a:lstStyle/>
+          <a:p>
+            <a:pPr indent="0" lvl="0" marL="0" rtl="0" algn="r">
+              <a:spcBef>
+                <a:spcPts val="0"/>
+              </a:spcBef>
+              <a:spcAft>
+                <a:spcPts val="0"/>
+              </a:spcAft>
+              <a:buNone/>
+            </a:pPr>
+            <a:r>
+              <a:rPr lang="es-419" sz="1200"/>
+              <a:t>6</a:t>
+            </a:r>
+            <a:endParaRPr sz="500"/>
+          </a:p>
+        </p:txBody>
+      </p:sp>
     </p:spTree>
   </p:cSld>
   <p:clrMapOvr>
@@ -8158,7 +10306,7 @@
   <p:cSld>
     <p:spTree>
       <p:nvGrpSpPr>
-        <p:cNvPr id="109" name="Shape 109"/>
+        <p:cNvPr id="115" name="Shape 115"/>
         <p:cNvGrpSpPr/>
         <p:nvPr/>
       </p:nvGrpSpPr>
@@ -8172,7 +10320,7 @@
       </p:grpSpPr>
       <p:sp>
         <p:nvSpPr>
-          <p:cNvPr id="110" name="Google Shape;110;p21"/>
+          <p:cNvPr id="116" name="Google Shape;116;p21"/>
           <p:cNvSpPr txBox="1"/>
           <p:nvPr>
             <p:ph type="title"/>
@@ -8208,11 +10356,7 @@
             </a:r>
             <a:r>
               <a:rPr lang="es-419"/>
-              <a:t>Random Forest</a:t>
-            </a:r>
-            <a:r>
-              <a:rPr lang="es-419"/>
-              <a:t> Regressor</a:t>
+              <a:t>Decision Tree Regressor</a:t>
             </a:r>
             <a:endParaRPr/>
           </a:p>
@@ -8220,7 +10364,7 @@
       </p:sp>
       <p:pic>
         <p:nvPicPr>
-          <p:cNvPr id="111" name="Google Shape;111;p21"/>
+          <p:cNvPr id="117" name="Google Shape;117;p21"/>
           <p:cNvPicPr preferRelativeResize="0"/>
           <p:nvPr/>
         </p:nvPicPr>
@@ -8234,7 +10378,7 @@
         </p:blipFill>
         <p:spPr>
           <a:xfrm>
-            <a:off x="452925" y="1657150"/>
+            <a:off x="427150" y="1536700"/>
             <a:ext cx="3733800" cy="2647950"/>
           </a:xfrm>
           <a:prstGeom prst="rect">
@@ -8248,7 +10392,7 @@
       </p:pic>
       <p:pic>
         <p:nvPicPr>
-          <p:cNvPr id="112" name="Google Shape;112;p21"/>
+          <p:cNvPr id="118" name="Google Shape;118;p21"/>
           <p:cNvPicPr preferRelativeResize="0"/>
           <p:nvPr/>
         </p:nvPicPr>
@@ -8262,8 +10406,8 @@
         </p:blipFill>
         <p:spPr>
           <a:xfrm>
-            <a:off x="4572000" y="1657150"/>
-            <a:ext cx="3733800" cy="2647950"/>
+            <a:off x="4906550" y="1536700"/>
+            <a:ext cx="3790950" cy="2647950"/>
           </a:xfrm>
           <a:prstGeom prst="rect">
             <a:avLst/>
@@ -8274,6 +10418,48 @@
           </a:ln>
         </p:spPr>
       </p:pic>
+      <p:sp>
+        <p:nvSpPr>
+          <p:cNvPr id="119" name="Google Shape;119;p21"/>
+          <p:cNvSpPr txBox="1"/>
+          <p:nvPr/>
+        </p:nvSpPr>
+        <p:spPr>
+          <a:xfrm>
+            <a:off x="17400" y="4774200"/>
+            <a:ext cx="9126600" cy="369300"/>
+          </a:xfrm>
+          <a:prstGeom prst="rect">
+            <a:avLst/>
+          </a:prstGeom>
+          <a:noFill/>
+          <a:ln>
+            <a:noFill/>
+          </a:ln>
+        </p:spPr>
+        <p:txBody>
+          <a:bodyPr anchorCtr="0" anchor="t" bIns="91425" lIns="91425" spcFirstLastPara="1" rIns="91425" wrap="square" tIns="91425">
+            <a:spAutoFit/>
+          </a:bodyPr>
+          <a:lstStyle/>
+          <a:p>
+            <a:pPr indent="0" lvl="0" marL="0" rtl="0" algn="r">
+              <a:spcBef>
+                <a:spcPts val="0"/>
+              </a:spcBef>
+              <a:spcAft>
+                <a:spcPts val="0"/>
+              </a:spcAft>
+              <a:buNone/>
+            </a:pPr>
+            <a:r>
+              <a:rPr lang="es-419" sz="1200"/>
+              <a:t>7</a:t>
+            </a:r>
+            <a:endParaRPr sz="500"/>
+          </a:p>
+        </p:txBody>
+      </p:sp>
     </p:spTree>
   </p:cSld>
   <p:clrMapOvr>
